--- a/MVP Tutorial.pptx
+++ b/MVP Tutorial.pptx
@@ -5,10 +5,10 @@
     <p:sldMasterId id="2147483648" r:id="rId1"/>
   </p:sldMasterIdLst>
   <p:notesMasterIdLst>
-    <p:notesMasterId r:id="rId30"/>
+    <p:notesMasterId r:id="rId29"/>
   </p:notesMasterIdLst>
   <p:handoutMasterIdLst>
-    <p:handoutMasterId r:id="rId31"/>
+    <p:handoutMasterId r:id="rId30"/>
   </p:handoutMasterIdLst>
   <p:sldIdLst>
     <p:sldId id="256" r:id="rId2"/>
@@ -37,8 +37,7 @@
     <p:sldId id="281" r:id="rId25"/>
     <p:sldId id="282" r:id="rId26"/>
     <p:sldId id="283" r:id="rId27"/>
-    <p:sldId id="266" r:id="rId28"/>
-    <p:sldId id="260" r:id="rId29"/>
+    <p:sldId id="260" r:id="rId28"/>
   </p:sldIdLst>
   <p:sldSz cx="12192000" cy="6858000"/>
   <p:notesSz cx="6858000" cy="9144000"/>
@@ -137,6 +136,11 @@
       </a:defRPr>
     </a:lvl9pPr>
   </p:defaultTextStyle>
+  <p:extLst>
+    <p:ext uri="{EFAFB233-063F-42B5-8137-9DF3F51BA10A}">
+      <p15:sldGuideLst xmlns:p15="http://schemas.microsoft.com/office/powerpoint/2012/main"/>
+    </p:ext>
+  </p:extLst>
 </p:presentation>
 </file>
 
@@ -222,7 +226,7 @@
           <a:p>
             <a:fld id="{CC78BBF4-583E-4A81-AA9C-A80F4BD171EC}" type="datetimeFigureOut">
               <a:rPr lang="en-GB" smtClean="0"/>
-              <a:t>28/03/2019</a:t>
+              <a:t>29/03/2019</a:t>
             </a:fld>
             <a:endParaRPr lang="en-GB"/>
           </a:p>
@@ -392,7 +396,7 @@
           <a:p>
             <a:fld id="{3AA4A332-F4D2-4835-A80C-16E80FC3EA4D}" type="datetimeFigureOut">
               <a:rPr lang="en-GB" smtClean="0"/>
-              <a:t>28/03/2019</a:t>
+              <a:t>29/03/2019</a:t>
             </a:fld>
             <a:endParaRPr lang="en-GB"/>
           </a:p>
@@ -796,7 +800,7 @@
           <a:p>
             <a:fld id="{94D1129C-ADC3-4014-BDCF-8CD7C1A22914}" type="datetimeFigureOut">
               <a:rPr lang="en-GB" smtClean="0"/>
-              <a:t>25/03/2019</a:t>
+              <a:t>29/03/2019</a:t>
             </a:fld>
             <a:endParaRPr lang="en-GB"/>
           </a:p>
@@ -966,7 +970,7 @@
           <a:p>
             <a:fld id="{94D1129C-ADC3-4014-BDCF-8CD7C1A22914}" type="datetimeFigureOut">
               <a:rPr lang="en-GB" smtClean="0"/>
-              <a:t>25/03/2019</a:t>
+              <a:t>29/03/2019</a:t>
             </a:fld>
             <a:endParaRPr lang="en-GB"/>
           </a:p>
@@ -1146,7 +1150,7 @@
           <a:p>
             <a:fld id="{94D1129C-ADC3-4014-BDCF-8CD7C1A22914}" type="datetimeFigureOut">
               <a:rPr lang="en-GB" smtClean="0"/>
-              <a:t>25/03/2019</a:t>
+              <a:t>29/03/2019</a:t>
             </a:fld>
             <a:endParaRPr lang="en-GB"/>
           </a:p>
@@ -1316,7 +1320,7 @@
           <a:p>
             <a:fld id="{94D1129C-ADC3-4014-BDCF-8CD7C1A22914}" type="datetimeFigureOut">
               <a:rPr lang="en-GB" smtClean="0"/>
-              <a:t>25/03/2019</a:t>
+              <a:t>29/03/2019</a:t>
             </a:fld>
             <a:endParaRPr lang="en-GB"/>
           </a:p>
@@ -1562,7 +1566,7 @@
           <a:p>
             <a:fld id="{94D1129C-ADC3-4014-BDCF-8CD7C1A22914}" type="datetimeFigureOut">
               <a:rPr lang="en-GB" smtClean="0"/>
-              <a:t>25/03/2019</a:t>
+              <a:t>29/03/2019</a:t>
             </a:fld>
             <a:endParaRPr lang="en-GB"/>
           </a:p>
@@ -1794,7 +1798,7 @@
           <a:p>
             <a:fld id="{94D1129C-ADC3-4014-BDCF-8CD7C1A22914}" type="datetimeFigureOut">
               <a:rPr lang="en-GB" smtClean="0"/>
-              <a:t>25/03/2019</a:t>
+              <a:t>29/03/2019</a:t>
             </a:fld>
             <a:endParaRPr lang="en-GB"/>
           </a:p>
@@ -2161,7 +2165,7 @@
           <a:p>
             <a:fld id="{94D1129C-ADC3-4014-BDCF-8CD7C1A22914}" type="datetimeFigureOut">
               <a:rPr lang="en-GB" smtClean="0"/>
-              <a:t>25/03/2019</a:t>
+              <a:t>29/03/2019</a:t>
             </a:fld>
             <a:endParaRPr lang="en-GB"/>
           </a:p>
@@ -2279,7 +2283,7 @@
           <a:p>
             <a:fld id="{94D1129C-ADC3-4014-BDCF-8CD7C1A22914}" type="datetimeFigureOut">
               <a:rPr lang="en-GB" smtClean="0"/>
-              <a:t>25/03/2019</a:t>
+              <a:t>29/03/2019</a:t>
             </a:fld>
             <a:endParaRPr lang="en-GB"/>
           </a:p>
@@ -2374,7 +2378,7 @@
           <a:p>
             <a:fld id="{94D1129C-ADC3-4014-BDCF-8CD7C1A22914}" type="datetimeFigureOut">
               <a:rPr lang="en-GB" smtClean="0"/>
-              <a:t>25/03/2019</a:t>
+              <a:t>29/03/2019</a:t>
             </a:fld>
             <a:endParaRPr lang="en-GB"/>
           </a:p>
@@ -2651,7 +2655,7 @@
           <a:p>
             <a:fld id="{94D1129C-ADC3-4014-BDCF-8CD7C1A22914}" type="datetimeFigureOut">
               <a:rPr lang="en-GB" smtClean="0"/>
-              <a:t>25/03/2019</a:t>
+              <a:t>29/03/2019</a:t>
             </a:fld>
             <a:endParaRPr lang="en-GB"/>
           </a:p>
@@ -2904,7 +2908,7 @@
           <a:p>
             <a:fld id="{94D1129C-ADC3-4014-BDCF-8CD7C1A22914}" type="datetimeFigureOut">
               <a:rPr lang="en-GB" smtClean="0"/>
-              <a:t>25/03/2019</a:t>
+              <a:t>29/03/2019</a:t>
             </a:fld>
             <a:endParaRPr lang="en-GB"/>
           </a:p>
@@ -3117,7 +3121,7 @@
           <a:p>
             <a:fld id="{94D1129C-ADC3-4014-BDCF-8CD7C1A22914}" type="datetimeFigureOut">
               <a:rPr lang="en-GB" smtClean="0"/>
-              <a:t>25/03/2019</a:t>
+              <a:t>29/03/2019</a:t>
             </a:fld>
             <a:endParaRPr lang="en-GB"/>
           </a:p>
@@ -3578,6 +3582,13 @@
   <p:clrMapOvr>
     <a:masterClrMapping/>
   </p:clrMapOvr>
+  <p:timing>
+    <p:tnLst>
+      <p:par>
+        <p:cTn id="1" dur="indefinite" restart="never" nodeType="tmRoot"/>
+      </p:par>
+    </p:tnLst>
+  </p:timing>
 </p:sld>
 </file>
 
@@ -4515,7 +4526,7 @@
 </file>
 
 <file path=ppt/slides/slide14.xml><?xml version="1.0" encoding="utf-8"?>
-<p:sld xmlns:a="http://schemas.openxmlformats.org/drawingml/2006/main" xmlns:r="http://schemas.openxmlformats.org/officeDocument/2006/relationships" xmlns:p="http://schemas.openxmlformats.org/presentationml/2006/main">
+<p:sld xmlns:a="http://schemas.openxmlformats.org/drawingml/2006/main" xmlns:r="http://schemas.openxmlformats.org/officeDocument/2006/relationships" xmlns:p="http://schemas.openxmlformats.org/presentationml/2006/main" show="0">
   <p:cSld>
     <p:spTree>
       <p:nvGrpSpPr>
@@ -4606,7 +4617,6 @@
               <a:rPr lang="en-GB" dirty="0" smtClean="0"/>
               <a:t>Library changes / Version differences between OSs</a:t>
             </a:r>
-            <a:endParaRPr lang="en-GB" dirty="0" smtClean="0"/>
           </a:p>
           <a:p>
             <a:pPr>
@@ -4638,6 +4648,14 @@
   <p:clrMapOvr>
     <a:masterClrMapping/>
   </p:clrMapOvr>
+  <mc:AlternateContent xmlns:mc="http://schemas.openxmlformats.org/markup-compatibility/2006">
+    <mc:Choice xmlns:p14="http://schemas.microsoft.com/office/powerpoint/2010/main" Requires="p14">
+      <p:transition spd="slow" p14:dur="2000"/>
+    </mc:Choice>
+    <mc:Fallback>
+      <p:transition spd="slow"/>
+    </mc:Fallback>
+  </mc:AlternateContent>
   <p:timing>
     <p:tnLst>
       <p:par>
@@ -7330,7 +7348,9 @@
         </p:nvSpPr>
         <p:spPr/>
         <p:txBody>
-          <a:bodyPr/>
+          <a:bodyPr>
+            <a:normAutofit fontScale="92500"/>
+          </a:bodyPr>
           <a:lstStyle/>
           <a:p>
             <a:pPr>
@@ -7359,8 +7379,40 @@
             </a:pPr>
             <a:r>
               <a:rPr lang="en-GB" dirty="0" smtClean="0"/>
-              <a:t>Entry point is `__main__.py`</a:t>
-            </a:r>
+              <a:t>Entry point is `__main__.py</a:t>
+            </a:r>
+            <a:r>
+              <a:rPr lang="en-GB" dirty="0" smtClean="0"/>
+              <a:t>`</a:t>
+            </a:r>
+          </a:p>
+          <a:p>
+            <a:pPr lvl="1">
+              <a:lnSpc>
+                <a:spcPct val="150000"/>
+              </a:lnSpc>
+            </a:pPr>
+            <a:r>
+              <a:rPr lang="en-GB" dirty="0" smtClean="0"/>
+              <a:t>Run with `python __main__.py` or `python .` Inside `</a:t>
+            </a:r>
+            <a:r>
+              <a:rPr lang="en-GB" dirty="0" err="1" smtClean="0"/>
+              <a:t>mvp</a:t>
+            </a:r>
+            <a:r>
+              <a:rPr lang="en-GB" dirty="0" smtClean="0"/>
+              <a:t>/exercise/</a:t>
+            </a:r>
+            <a:r>
+              <a:rPr lang="en-GB" dirty="0" err="1" smtClean="0"/>
+              <a:t>tof_converter</a:t>
+            </a:r>
+            <a:r>
+              <a:rPr lang="en-GB" dirty="0" smtClean="0"/>
+              <a:t>`</a:t>
+            </a:r>
+            <a:endParaRPr lang="en-GB" dirty="0" smtClean="0"/>
           </a:p>
           <a:p>
             <a:pPr>
@@ -7491,7 +7543,15 @@
             </a:pPr>
             <a:r>
               <a:rPr lang="en-GB" dirty="0" smtClean="0"/>
-              <a:t>You do not need to add the model yet. Use the provided functions</a:t>
+              <a:t>Use </a:t>
+            </a:r>
+            <a:r>
+              <a:rPr lang="en-GB" dirty="0" smtClean="0"/>
+              <a:t>the provided </a:t>
+            </a:r>
+            <a:r>
+              <a:rPr lang="en-GB" dirty="0" smtClean="0"/>
+              <a:t>functions from the ‘model.py’ file</a:t>
             </a:r>
           </a:p>
           <a:p>
@@ -7879,7 +7939,9 @@
         </p:nvSpPr>
         <p:spPr/>
         <p:txBody>
-          <a:bodyPr/>
+          <a:bodyPr>
+            <a:normAutofit/>
+          </a:bodyPr>
           <a:lstStyle/>
           <a:p>
             <a:pPr>
@@ -7900,7 +7962,11 @@
             </a:pPr>
             <a:r>
               <a:rPr lang="en-GB" dirty="0" smtClean="0"/>
-              <a:t>Make `Convert` work for all input/output units</a:t>
+              <a:t>Make `Convert` work for all input/output </a:t>
+            </a:r>
+            <a:r>
+              <a:rPr lang="en-GB" dirty="0" smtClean="0"/>
+              <a:t>units</a:t>
             </a:r>
           </a:p>
           <a:p>
@@ -8278,7 +8344,11 @@
             </a:pPr>
             <a:r>
               <a:rPr lang="en-GB" dirty="0" smtClean="0"/>
-              <a:t>File is `test/test_tof_convert_presenter.py`</a:t>
+              <a:t>File is `test/test_tof_convert_presenter.py</a:t>
+            </a:r>
+            <a:r>
+              <a:rPr lang="en-GB" dirty="0" smtClean="0"/>
+              <a:t>`</a:t>
             </a:r>
           </a:p>
           <a:p>
@@ -8666,6 +8736,7 @@
               <a:rPr lang="en-GB" dirty="0" smtClean="0"/>
               <a:t>`</a:t>
             </a:r>
+            <a:endParaRPr lang="en-GB" dirty="0" smtClean="0"/>
           </a:p>
           <a:p>
             <a:pPr lvl="1">
@@ -8685,6 +8756,7 @@
               <a:rPr lang="en-GB" dirty="0" smtClean="0"/>
               <a:t>`</a:t>
             </a:r>
+            <a:endParaRPr lang="en-GB" dirty="0" smtClean="0"/>
           </a:p>
           <a:p>
             <a:pPr>
@@ -8724,7 +8796,11 @@
             </a:pPr>
             <a:r>
               <a:rPr lang="en-GB" dirty="0" smtClean="0"/>
-              <a:t>How will you implement the widget?</a:t>
+              <a:t>How will you implement the widget</a:t>
+            </a:r>
+            <a:r>
+              <a:rPr lang="en-GB" dirty="0" smtClean="0"/>
+              <a:t>?</a:t>
             </a:r>
           </a:p>
           <a:p>
@@ -8748,7 +8824,6 @@
               <a:rPr lang="en-GB" dirty="0" smtClean="0"/>
               <a:t>versus</a:t>
             </a:r>
-            <a:endParaRPr lang="en-GB" dirty="0" smtClean="0"/>
           </a:p>
           <a:p>
             <a:pPr lvl="1">
@@ -9221,7 +9296,9 @@
         </p:nvSpPr>
         <p:spPr/>
         <p:txBody>
-          <a:bodyPr/>
+          <a:bodyPr>
+            <a:normAutofit/>
+          </a:bodyPr>
           <a:lstStyle/>
           <a:p>
             <a:pPr>
@@ -9231,7 +9308,11 @@
             </a:pPr>
             <a:r>
               <a:rPr lang="en-GB" dirty="0" smtClean="0"/>
-              <a:t>Allow the user to double click an entry in the history to load that value back into the view.</a:t>
+              <a:t>Allow </a:t>
+            </a:r>
+            <a:r>
+              <a:rPr lang="en-GB" dirty="0" smtClean="0"/>
+              <a:t>the user to double click an entry in the history to load that value back into the view.</a:t>
             </a:r>
           </a:p>
           <a:p>
@@ -9242,17 +9323,8 @@
             </a:pPr>
             <a:r>
               <a:rPr lang="en-GB" dirty="0" smtClean="0"/>
-              <a:t>Allow deletion of items with a `-` (</a:t>
-            </a:r>
-            <a:r>
-              <a:rPr lang="en-GB" dirty="0" smtClean="0"/>
-              <a:t>minus</a:t>
-            </a:r>
-            <a:r>
-              <a:rPr lang="en-GB" dirty="0" smtClean="0"/>
-              <a:t>) button</a:t>
-            </a:r>
-            <a:endParaRPr lang="en-GB" dirty="0" smtClean="0"/>
+              <a:t>Allow deletion of items with a `-` (minus) button</a:t>
+            </a:r>
           </a:p>
         </p:txBody>
       </p:sp>
@@ -9444,8 +9516,61 @@
             </a:pPr>
             <a:r>
               <a:rPr lang="en-GB" dirty="0" smtClean="0"/>
-              <a:t>Unit test / mock the History widget</a:t>
-            </a:r>
+              <a:t>Unit test / mock the History </a:t>
+            </a:r>
+            <a:r>
+              <a:rPr lang="en-GB" dirty="0" smtClean="0"/>
+              <a:t>widget</a:t>
+            </a:r>
+          </a:p>
+          <a:p>
+            <a:pPr>
+              <a:lnSpc>
+                <a:spcPct val="150000"/>
+              </a:lnSpc>
+            </a:pPr>
+            <a:r>
+              <a:rPr lang="en-GB" dirty="0"/>
+              <a:t>Scattering angle and Flight Path should be disabled by default - </a:t>
+            </a:r>
+            <a:r>
+              <a:rPr lang="en-GB" dirty="0" err="1"/>
+              <a:t>setDisabled</a:t>
+            </a:r>
+            <a:r>
+              <a:rPr lang="en-GB" dirty="0"/>
+              <a:t>(True)</a:t>
+            </a:r>
+          </a:p>
+          <a:p>
+            <a:pPr lvl="1">
+              <a:lnSpc>
+                <a:spcPct val="150000"/>
+              </a:lnSpc>
+            </a:pPr>
+            <a:r>
+              <a:rPr lang="en-GB" dirty="0"/>
+              <a:t>If Momentum or d-spacing are selected as either input or output enable `scattering angle` field</a:t>
+            </a:r>
+          </a:p>
+          <a:p>
+            <a:pPr lvl="1">
+              <a:lnSpc>
+                <a:spcPct val="150000"/>
+              </a:lnSpc>
+            </a:pPr>
+            <a:r>
+              <a:rPr lang="en-GB" dirty="0"/>
+              <a:t>If Time of Flight is selected, enable `Total flight path` field</a:t>
+            </a:r>
+          </a:p>
+          <a:p>
+            <a:pPr>
+              <a:lnSpc>
+                <a:spcPct val="100000"/>
+              </a:lnSpc>
+            </a:pPr>
+            <a:endParaRPr lang="en-GB" dirty="0" smtClean="0"/>
           </a:p>
         </p:txBody>
       </p:sp>
@@ -9496,6 +9621,117 @@
                                           <p:spTgt spid="3">
                                             <p:txEl>
                                               <p:pRg st="0" end="0"/>
+                                            </p:txEl>
+                                          </p:spTgt>
+                                        </p:tgtEl>
+                                        <p:attrNameLst>
+                                          <p:attrName>style.visibility</p:attrName>
+                                        </p:attrNameLst>
+                                      </p:cBhvr>
+                                      <p:to>
+                                        <p:strVal val="visible"/>
+                                      </p:to>
+                                    </p:set>
+                                  </p:childTnLst>
+                                </p:cTn>
+                              </p:par>
+                            </p:childTnLst>
+                          </p:cTn>
+                        </p:par>
+                      </p:childTnLst>
+                    </p:cTn>
+                  </p:par>
+                  <p:par>
+                    <p:cTn id="7" fill="hold">
+                      <p:stCondLst>
+                        <p:cond delay="indefinite"/>
+                      </p:stCondLst>
+                      <p:childTnLst>
+                        <p:par>
+                          <p:cTn id="8" fill="hold">
+                            <p:stCondLst>
+                              <p:cond delay="0"/>
+                            </p:stCondLst>
+                            <p:childTnLst>
+                              <p:par>
+                                <p:cTn id="9" presetID="1" presetClass="entr" presetSubtype="0" fill="hold" grpId="0" nodeType="clickEffect">
+                                  <p:stCondLst>
+                                    <p:cond delay="0"/>
+                                  </p:stCondLst>
+                                  <p:childTnLst>
+                                    <p:set>
+                                      <p:cBhvr>
+                                        <p:cTn id="10" dur="1" fill="hold">
+                                          <p:stCondLst>
+                                            <p:cond delay="0"/>
+                                          </p:stCondLst>
+                                        </p:cTn>
+                                        <p:tgtEl>
+                                          <p:spTgt spid="3">
+                                            <p:txEl>
+                                              <p:pRg st="1" end="1"/>
+                                            </p:txEl>
+                                          </p:spTgt>
+                                        </p:tgtEl>
+                                        <p:attrNameLst>
+                                          <p:attrName>style.visibility</p:attrName>
+                                        </p:attrNameLst>
+                                      </p:cBhvr>
+                                      <p:to>
+                                        <p:strVal val="visible"/>
+                                      </p:to>
+                                    </p:set>
+                                  </p:childTnLst>
+                                </p:cTn>
+                              </p:par>
+                              <p:par>
+                                <p:cTn id="11" presetID="1" presetClass="entr" presetSubtype="0" fill="hold" grpId="0" nodeType="withEffect">
+                                  <p:stCondLst>
+                                    <p:cond delay="0"/>
+                                  </p:stCondLst>
+                                  <p:childTnLst>
+                                    <p:set>
+                                      <p:cBhvr>
+                                        <p:cTn id="12" dur="1" fill="hold">
+                                          <p:stCondLst>
+                                            <p:cond delay="0"/>
+                                          </p:stCondLst>
+                                        </p:cTn>
+                                        <p:tgtEl>
+                                          <p:spTgt spid="3">
+                                            <p:txEl>
+                                              <p:pRg st="2" end="2"/>
+                                            </p:txEl>
+                                          </p:spTgt>
+                                        </p:tgtEl>
+                                        <p:attrNameLst>
+                                          <p:attrName>style.visibility</p:attrName>
+                                        </p:attrNameLst>
+                                      </p:cBhvr>
+                                      <p:to>
+                                        <p:strVal val="visible"/>
+                                      </p:to>
+                                    </p:set>
+                                  </p:childTnLst>
+                                </p:cTn>
+                              </p:par>
+                              <p:par>
+                                <p:cTn id="13" presetID="1" presetClass="entr" presetSubtype="0" fill="hold" grpId="0" nodeType="withEffect">
+                                  <p:stCondLst>
+                                    <p:cond delay="0"/>
+                                  </p:stCondLst>
+                                  <p:childTnLst>
+                                    <p:set>
+                                      <p:cBhvr>
+                                        <p:cTn id="14" dur="1" fill="hold">
+                                          <p:stCondLst>
+                                            <p:cond delay="0"/>
+                                          </p:stCondLst>
+                                        </p:cTn>
+                                        <p:tgtEl>
+                                          <p:spTgt spid="3">
+                                            <p:txEl>
+                                              <p:pRg st="3" end="3"/>
                                             </p:txEl>
                                           </p:spTgt>
                                         </p:tgtEl>
@@ -9578,114 +9814,6 @@
           <a:p>
             <a:r>
               <a:rPr lang="en-GB" dirty="0" smtClean="0"/>
-              <a:t>Resources available to you</a:t>
-            </a:r>
-            <a:endParaRPr lang="en-GB" dirty="0"/>
-          </a:p>
-        </p:txBody>
-      </p:sp>
-      <p:sp>
-        <p:nvSpPr>
-          <p:cNvPr id="3" name="Content Placeholder 2"/>
-          <p:cNvSpPr>
-            <a:spLocks noGrp="1"/>
-          </p:cNvSpPr>
-          <p:nvPr>
-            <p:ph idx="1"/>
-          </p:nvPr>
-        </p:nvSpPr>
-        <p:spPr/>
-        <p:txBody>
-          <a:bodyPr/>
-          <a:lstStyle/>
-          <a:p>
-            <a:r>
-              <a:rPr lang="en-GB" dirty="0" err="1" smtClean="0"/>
-              <a:t>Mantid</a:t>
-            </a:r>
-            <a:endParaRPr lang="en-GB" dirty="0" smtClean="0"/>
-          </a:p>
-          <a:p>
-            <a:r>
-              <a:rPr lang="en-GB" dirty="0" smtClean="0"/>
-              <a:t>Old </a:t>
-            </a:r>
-            <a:r>
-              <a:rPr lang="en-GB" dirty="0" err="1" smtClean="0"/>
-              <a:t>TofConverter</a:t>
-            </a:r>
-            <a:r>
-              <a:rPr lang="en-GB" dirty="0" smtClean="0"/>
-              <a:t> code</a:t>
-            </a:r>
-          </a:p>
-          <a:p>
-            <a:r>
-              <a:rPr lang="en-GB" dirty="0" err="1" smtClean="0"/>
-              <a:t>Qt</a:t>
-            </a:r>
-            <a:r>
-              <a:rPr lang="en-GB" dirty="0" smtClean="0"/>
-              <a:t> documentation</a:t>
-            </a:r>
-            <a:endParaRPr lang="en-GB" dirty="0"/>
-          </a:p>
-        </p:txBody>
-      </p:sp>
-    </p:spTree>
-    <p:extLst>
-      <p:ext uri="{BB962C8B-B14F-4D97-AF65-F5344CB8AC3E}">
-        <p14:creationId xmlns:p14="http://schemas.microsoft.com/office/powerpoint/2010/main" val="4271111198"/>
-      </p:ext>
-    </p:extLst>
-  </p:cSld>
-  <p:clrMapOvr>
-    <a:masterClrMapping/>
-  </p:clrMapOvr>
-  <p:timing>
-    <p:tnLst>
-      <p:par>
-        <p:cTn id="1" dur="indefinite" restart="never" nodeType="tmRoot"/>
-      </p:par>
-    </p:tnLst>
-  </p:timing>
-</p:sld>
-</file>
-
-<file path=ppt/slides/slide28.xml><?xml version="1.0" encoding="utf-8"?>
-<p:sld xmlns:a="http://schemas.openxmlformats.org/drawingml/2006/main" xmlns:r="http://schemas.openxmlformats.org/officeDocument/2006/relationships" xmlns:p="http://schemas.openxmlformats.org/presentationml/2006/main">
-  <p:cSld>
-    <p:spTree>
-      <p:nvGrpSpPr>
-        <p:cNvPr id="1" name=""/>
-        <p:cNvGrpSpPr/>
-        <p:nvPr/>
-      </p:nvGrpSpPr>
-      <p:grpSpPr>
-        <a:xfrm>
-          <a:off x="0" y="0"/>
-          <a:ext cx="0" cy="0"/>
-          <a:chOff x="0" y="0"/>
-          <a:chExt cx="0" cy="0"/>
-        </a:xfrm>
-      </p:grpSpPr>
-      <p:sp>
-        <p:nvSpPr>
-          <p:cNvPr id="2" name="Title 1"/>
-          <p:cNvSpPr>
-            <a:spLocks noGrp="1"/>
-          </p:cNvSpPr>
-          <p:nvPr>
-            <p:ph type="title"/>
-          </p:nvPr>
-        </p:nvSpPr>
-        <p:spPr/>
-        <p:txBody>
-          <a:bodyPr/>
-          <a:lstStyle/>
-          <a:p>
-            <a:r>
-              <a:rPr lang="en-GB" dirty="0" smtClean="0"/>
               <a:t>References</a:t>
             </a:r>
             <a:endParaRPr lang="en-GB" dirty="0"/>
@@ -9976,11 +10104,7 @@
             </a:pPr>
             <a:r>
               <a:rPr lang="en-GB" dirty="0" smtClean="0"/>
-              <a:t>First published description in 1987 for </a:t>
-            </a:r>
-            <a:r>
-              <a:rPr lang="en-GB" dirty="0" smtClean="0"/>
-              <a:t>Smalltalk-80 v2.0 [3]</a:t>
+              <a:t>First published description in 1987 for Smalltalk-80 v2.0 [3]</a:t>
             </a:r>
           </a:p>
           <a:p>
@@ -10137,15 +10261,7 @@
                   <a:schemeClr val="tx1"/>
                 </a:solidFill>
               </a:rPr>
-              <a:t>. </a:t>
-            </a:r>
-            <a:r>
-              <a:rPr lang="en-GB" dirty="0" smtClean="0">
-                <a:solidFill>
-                  <a:schemeClr val="tx1"/>
-                </a:solidFill>
-              </a:rPr>
-              <a:t>MVP</a:t>
+              <a:t>. MVP</a:t>
             </a:r>
             <a:r>
               <a:rPr lang="en-GB" dirty="0">
@@ -10735,15 +10851,7 @@
             </a:pPr>
             <a:r>
               <a:rPr lang="en-GB" dirty="0" smtClean="0"/>
-              <a:t>Does hard sums, e.g. </a:t>
-            </a:r>
-            <a:r>
-              <a:rPr lang="en-GB" dirty="0" smtClean="0"/>
-              <a:t>stores references to workspaces, </a:t>
-            </a:r>
-            <a:r>
-              <a:rPr lang="en-GB" dirty="0" smtClean="0"/>
-              <a:t>runs Algorithms on them</a:t>
+              <a:t>Does hard sums, e.g. stores references to workspaces, runs Algorithms on them</a:t>
             </a:r>
           </a:p>
           <a:p>
@@ -12261,7 +12369,6 @@
               <a:rPr lang="en-GB" dirty="0" smtClean="0"/>
               <a:t>Harder to test</a:t>
             </a:r>
-            <a:endParaRPr lang="en-GB" dirty="0" smtClean="0"/>
           </a:p>
           <a:p>
             <a:pPr>

--- a/MVP Tutorial.pptx
+++ b/MVP Tutorial.pptx
@@ -5,10 +5,10 @@
     <p:sldMasterId id="2147483648" r:id="rId1"/>
   </p:sldMasterIdLst>
   <p:notesMasterIdLst>
-    <p:notesMasterId r:id="rId29"/>
+    <p:notesMasterId r:id="rId32"/>
   </p:notesMasterIdLst>
   <p:handoutMasterIdLst>
-    <p:handoutMasterId r:id="rId30"/>
+    <p:handoutMasterId r:id="rId33"/>
   </p:handoutMasterIdLst>
   <p:sldIdLst>
     <p:sldId id="256" r:id="rId2"/>
@@ -20,24 +20,27 @@
     <p:sldId id="269" r:id="rId8"/>
     <p:sldId id="270" r:id="rId9"/>
     <p:sldId id="273" r:id="rId10"/>
-    <p:sldId id="271" r:id="rId11"/>
-    <p:sldId id="263" r:id="rId12"/>
-    <p:sldId id="264" r:id="rId13"/>
-    <p:sldId id="268" r:id="rId14"/>
-    <p:sldId id="272" r:id="rId15"/>
-    <p:sldId id="274" r:id="rId16"/>
-    <p:sldId id="275" r:id="rId17"/>
-    <p:sldId id="280" r:id="rId18"/>
-    <p:sldId id="265" r:id="rId19"/>
-    <p:sldId id="267" r:id="rId20"/>
-    <p:sldId id="276" r:id="rId21"/>
-    <p:sldId id="277" r:id="rId22"/>
-    <p:sldId id="278" r:id="rId23"/>
-    <p:sldId id="279" r:id="rId24"/>
-    <p:sldId id="281" r:id="rId25"/>
-    <p:sldId id="282" r:id="rId26"/>
-    <p:sldId id="283" r:id="rId27"/>
-    <p:sldId id="260" r:id="rId28"/>
+    <p:sldId id="284" r:id="rId11"/>
+    <p:sldId id="271" r:id="rId12"/>
+    <p:sldId id="263" r:id="rId13"/>
+    <p:sldId id="264" r:id="rId14"/>
+    <p:sldId id="268" r:id="rId15"/>
+    <p:sldId id="272" r:id="rId16"/>
+    <p:sldId id="274" r:id="rId17"/>
+    <p:sldId id="275" r:id="rId18"/>
+    <p:sldId id="280" r:id="rId19"/>
+    <p:sldId id="285" r:id="rId20"/>
+    <p:sldId id="286" r:id="rId21"/>
+    <p:sldId id="265" r:id="rId22"/>
+    <p:sldId id="267" r:id="rId23"/>
+    <p:sldId id="276" r:id="rId24"/>
+    <p:sldId id="277" r:id="rId25"/>
+    <p:sldId id="278" r:id="rId26"/>
+    <p:sldId id="279" r:id="rId27"/>
+    <p:sldId id="281" r:id="rId28"/>
+    <p:sldId id="282" r:id="rId29"/>
+    <p:sldId id="283" r:id="rId30"/>
+    <p:sldId id="260" r:id="rId31"/>
   </p:sldIdLst>
   <p:sldSz cx="12192000" cy="6858000"/>
   <p:notesSz cx="6858000" cy="9144000"/>
@@ -3593,6 +3596,108 @@
 </file>
 
 <file path=ppt/slides/slide10.xml><?xml version="1.0" encoding="utf-8"?>
+<p:sld xmlns:a="http://schemas.openxmlformats.org/drawingml/2006/main" xmlns:r="http://schemas.openxmlformats.org/officeDocument/2006/relationships" xmlns:p="http://schemas.openxmlformats.org/presentationml/2006/main" show="0">
+  <p:cSld>
+    <p:spTree>
+      <p:nvGrpSpPr>
+        <p:cNvPr id="1" name=""/>
+        <p:cNvGrpSpPr/>
+        <p:nvPr/>
+      </p:nvGrpSpPr>
+      <p:grpSpPr>
+        <a:xfrm>
+          <a:off x="0" y="0"/>
+          <a:ext cx="0" cy="0"/>
+          <a:chOff x="0" y="0"/>
+          <a:chExt cx="0" cy="0"/>
+        </a:xfrm>
+      </p:grpSpPr>
+      <p:sp>
+        <p:nvSpPr>
+          <p:cNvPr id="2" name="Title 1"/>
+          <p:cNvSpPr>
+            <a:spLocks noGrp="1"/>
+          </p:cNvSpPr>
+          <p:nvPr>
+            <p:ph type="title"/>
+          </p:nvPr>
+        </p:nvSpPr>
+        <p:spPr/>
+        <p:txBody>
+          <a:bodyPr/>
+          <a:lstStyle/>
+          <a:p>
+            <a:r>
+              <a:rPr lang="en-GB" dirty="0" smtClean="0"/>
+              <a:t>Restrictions and </a:t>
+            </a:r>
+            <a:r>
+              <a:rPr lang="en-GB" dirty="0" err="1" smtClean="0"/>
+              <a:t>Gotchas</a:t>
+            </a:r>
+            <a:endParaRPr lang="en-GB" dirty="0"/>
+          </a:p>
+        </p:txBody>
+      </p:sp>
+      <p:sp>
+        <p:nvSpPr>
+          <p:cNvPr id="3" name="Content Placeholder 2"/>
+          <p:cNvSpPr>
+            <a:spLocks noGrp="1"/>
+          </p:cNvSpPr>
+          <p:nvPr>
+            <p:ph idx="1"/>
+          </p:nvPr>
+        </p:nvSpPr>
+        <p:spPr/>
+        <p:txBody>
+          <a:bodyPr>
+            <a:normAutofit/>
+          </a:bodyPr>
+          <a:lstStyle/>
+          <a:p>
+            <a:pPr>
+              <a:lnSpc>
+                <a:spcPct val="150000"/>
+              </a:lnSpc>
+            </a:pPr>
+            <a:r>
+              <a:rPr lang="en-GB" dirty="0" smtClean="0"/>
+              <a:t>If you don’t import Framework in the presenter, tests are very fast</a:t>
+            </a:r>
+            <a:endParaRPr lang="en-GB" dirty="0" smtClean="0"/>
+          </a:p>
+        </p:txBody>
+      </p:sp>
+    </p:spTree>
+    <p:extLst>
+      <p:ext uri="{BB962C8B-B14F-4D97-AF65-F5344CB8AC3E}">
+        <p14:creationId xmlns:p14="http://schemas.microsoft.com/office/powerpoint/2010/main" val="1740639124"/>
+      </p:ext>
+    </p:extLst>
+  </p:cSld>
+  <p:clrMapOvr>
+    <a:masterClrMapping/>
+  </p:clrMapOvr>
+  <mc:AlternateContent xmlns:mc="http://schemas.openxmlformats.org/markup-compatibility/2006">
+    <mc:Choice xmlns:p14="http://schemas.microsoft.com/office/powerpoint/2010/main" Requires="p14">
+      <p:transition spd="slow" p14:dur="2000"/>
+    </mc:Choice>
+    <mc:Fallback>
+      <p:transition spd="slow"/>
+    </mc:Fallback>
+  </mc:AlternateContent>
+  <p:timing>
+    <p:tnLst>
+      <p:par>
+        <p:cTn id="1" dur="indefinite" restart="never" nodeType="tmRoot"/>
+      </p:par>
+    </p:tnLst>
+  </p:timing>
+</p:sld>
+</file>
+
+<file path=ppt/slides/slide11.xml><?xml version="1.0" encoding="utf-8"?>
 <p:sld xmlns:a="http://schemas.openxmlformats.org/drawingml/2006/main" xmlns:r="http://schemas.openxmlformats.org/officeDocument/2006/relationships" xmlns:p="http://schemas.openxmlformats.org/presentationml/2006/main">
   <p:cSld>
     <p:spTree>
@@ -3678,8 +3783,8 @@
         </p:nvSpPr>
         <p:spPr>
           <a:xfrm>
-            <a:off x="2686990" y="1803688"/>
-            <a:ext cx="6195735" cy="646331"/>
+            <a:off x="1733619" y="1690688"/>
+            <a:ext cx="8724761" cy="646331"/>
           </a:xfrm>
           <a:prstGeom prst="rect">
             <a:avLst/>
@@ -3710,7 +3815,11 @@
             </a:r>
             <a:r>
               <a:rPr lang="en-GB" sz="3600" dirty="0" smtClean="0"/>
-              <a:t>/widgets</a:t>
+              <a:t>/widgets/</a:t>
+            </a:r>
+            <a:r>
+              <a:rPr lang="en-GB" sz="3600" dirty="0" err="1" smtClean="0"/>
+              <a:t>your_widget</a:t>
             </a:r>
             <a:endParaRPr lang="en-GB" sz="3600" dirty="0"/>
           </a:p>
@@ -3736,7 +3845,7 @@
 </p:sld>
 </file>
 
-<file path=ppt/slides/slide11.xml><?xml version="1.0" encoding="utf-8"?>
+<file path=ppt/slides/slide12.xml><?xml version="1.0" encoding="utf-8"?>
 <p:sld xmlns:a="http://schemas.openxmlformats.org/drawingml/2006/main" xmlns:r="http://schemas.openxmlformats.org/officeDocument/2006/relationships" xmlns:p="http://schemas.openxmlformats.org/presentationml/2006/main">
   <p:cSld>
     <p:spTree>
@@ -4168,6 +4277,60 @@
                                   </p:childTnLst>
                                 </p:cTn>
                               </p:par>
+                              <p:par>
+                                <p:cTn id="7" presetID="1" presetClass="entr" presetSubtype="0" fill="hold" nodeType="withEffect">
+                                  <p:stCondLst>
+                                    <p:cond delay="0"/>
+                                  </p:stCondLst>
+                                  <p:childTnLst>
+                                    <p:set>
+                                      <p:cBhvr>
+                                        <p:cTn id="8" dur="1" fill="hold">
+                                          <p:stCondLst>
+                                            <p:cond delay="0"/>
+                                          </p:stCondLst>
+                                        </p:cTn>
+                                        <p:tgtEl>
+                                          <p:spTgt spid="28"/>
+                                        </p:tgtEl>
+                                        <p:attrNameLst>
+                                          <p:attrName>style.visibility</p:attrName>
+                                        </p:attrNameLst>
+                                      </p:cBhvr>
+                                      <p:to>
+                                        <p:strVal val="visible"/>
+                                      </p:to>
+                                    </p:set>
+                                  </p:childTnLst>
+                                </p:cTn>
+                              </p:par>
+                              <p:par>
+                                <p:cTn id="9" presetID="1" presetClass="entr" presetSubtype="0" fill="hold" nodeType="withEffect">
+                                  <p:stCondLst>
+                                    <p:cond delay="0"/>
+                                  </p:stCondLst>
+                                  <p:childTnLst>
+                                    <p:set>
+                                      <p:cBhvr>
+                                        <p:cTn id="10" dur="1" fill="hold">
+                                          <p:stCondLst>
+                                            <p:cond delay="0"/>
+                                          </p:stCondLst>
+                                        </p:cTn>
+                                        <p:tgtEl>
+                                          <p:spTgt spid="19"/>
+                                        </p:tgtEl>
+                                        <p:attrNameLst>
+                                          <p:attrName>style.visibility</p:attrName>
+                                        </p:attrNameLst>
+                                      </p:cBhvr>
+                                      <p:to>
+                                        <p:strVal val="visible"/>
+                                      </p:to>
+                                    </p:set>
+                                  </p:childTnLst>
+                                </p:cTn>
+                              </p:par>
                             </p:childTnLst>
                           </p:cTn>
                         </p:par>
@@ -4175,26 +4338,26 @@
                     </p:cTn>
                   </p:par>
                   <p:par>
-                    <p:cTn id="7" fill="hold">
+                    <p:cTn id="11" fill="hold">
                       <p:stCondLst>
                         <p:cond delay="indefinite"/>
                       </p:stCondLst>
                       <p:childTnLst>
                         <p:par>
-                          <p:cTn id="8" fill="hold">
+                          <p:cTn id="12" fill="hold">
                             <p:stCondLst>
                               <p:cond delay="0"/>
                             </p:stCondLst>
                             <p:childTnLst>
                               <p:par>
-                                <p:cTn id="9" presetID="1" presetClass="entr" presetSubtype="0" fill="hold" nodeType="clickEffect">
+                                <p:cTn id="13" presetID="1" presetClass="entr" presetSubtype="0" fill="hold" nodeType="clickEffect">
                                   <p:stCondLst>
                                     <p:cond delay="0"/>
                                   </p:stCondLst>
                                   <p:childTnLst>
                                     <p:set>
                                       <p:cBhvr>
-                                        <p:cTn id="10" dur="1" fill="hold">
+                                        <p:cTn id="14" dur="1" fill="hold">
                                           <p:stCondLst>
                                             <p:cond delay="0"/>
                                           </p:stCondLst>
@@ -4244,7 +4407,7 @@
 </p:sld>
 </file>
 
-<file path=ppt/slides/slide12.xml><?xml version="1.0" encoding="utf-8"?>
+<file path=ppt/slides/slide13.xml><?xml version="1.0" encoding="utf-8"?>
 <p:sld xmlns:a="http://schemas.openxmlformats.org/drawingml/2006/main" xmlns:r="http://schemas.openxmlformats.org/officeDocument/2006/relationships" xmlns:p="http://schemas.openxmlformats.org/presentationml/2006/main">
   <p:cSld>
     <p:spTree>
@@ -4422,7 +4585,7 @@
 </p:sld>
 </file>
 
-<file path=ppt/slides/slide13.xml><?xml version="1.0" encoding="utf-8"?>
+<file path=ppt/slides/slide14.xml><?xml version="1.0" encoding="utf-8"?>
 <p:sld xmlns:a="http://schemas.openxmlformats.org/drawingml/2006/main" xmlns:r="http://schemas.openxmlformats.org/officeDocument/2006/relationships" xmlns:p="http://schemas.openxmlformats.org/presentationml/2006/main">
   <p:cSld>
     <p:spTree>
@@ -4525,7 +4688,7 @@
 </p:sld>
 </file>
 
-<file path=ppt/slides/slide14.xml><?xml version="1.0" encoding="utf-8"?>
+<file path=ppt/slides/slide15.xml><?xml version="1.0" encoding="utf-8"?>
 <p:sld xmlns:a="http://schemas.openxmlformats.org/drawingml/2006/main" xmlns:r="http://schemas.openxmlformats.org/officeDocument/2006/relationships" xmlns:p="http://schemas.openxmlformats.org/presentationml/2006/main" show="0">
   <p:cSld>
     <p:spTree>
@@ -5035,7 +5198,7 @@
 </p:sld>
 </file>
 
-<file path=ppt/slides/slide15.xml><?xml version="1.0" encoding="utf-8"?>
+<file path=ppt/slides/slide16.xml><?xml version="1.0" encoding="utf-8"?>
 <p:sld xmlns:a="http://schemas.openxmlformats.org/drawingml/2006/main" xmlns:r="http://schemas.openxmlformats.org/officeDocument/2006/relationships" xmlns:p="http://schemas.openxmlformats.org/presentationml/2006/main">
   <p:cSld>
     <p:spTree>
@@ -5134,32 +5297,63 @@
               <a:t>View</a:t>
             </a:r>
           </a:p>
+          <a:p>
+            <a:r>
+              <a:rPr lang="en-GB" dirty="0" err="1" smtClean="0"/>
+              <a:t>Gui</a:t>
+            </a:r>
+            <a:r>
+              <a:rPr lang="en-GB" dirty="0" smtClean="0"/>
+              <a:t> testing – </a:t>
+            </a:r>
+            <a:r>
+              <a:rPr lang="en-GB" dirty="0" err="1" smtClean="0"/>
+              <a:t>GuiTest</a:t>
+            </a:r>
+            <a:endParaRPr lang="en-GB" dirty="0" smtClean="0"/>
+          </a:p>
+          <a:p>
+            <a:pPr lvl="1"/>
+            <a:r>
+              <a:rPr lang="en-GB" dirty="0" smtClean="0"/>
+              <a:t>Runs an event loop</a:t>
+            </a:r>
+          </a:p>
+          <a:p>
+            <a:pPr lvl="1"/>
+            <a:r>
+              <a:rPr lang="en-GB" dirty="0" smtClean="0"/>
+              <a:t>Can simulate clicks</a:t>
+            </a:r>
+          </a:p>
+          <a:p>
+            <a:pPr lvl="1"/>
+            <a:r>
+              <a:rPr lang="en-GB" dirty="0" smtClean="0"/>
+              <a:t>Can inspect </a:t>
+            </a:r>
+            <a:r>
+              <a:rPr lang="en-GB" i="1" dirty="0" smtClean="0"/>
+              <a:t>all </a:t>
+            </a:r>
+            <a:r>
+              <a:rPr lang="en-GB" dirty="0" err="1" smtClean="0"/>
+              <a:t>Qt</a:t>
+            </a:r>
+            <a:r>
+              <a:rPr lang="en-GB" dirty="0" smtClean="0"/>
+              <a:t> objects in the application</a:t>
+            </a:r>
+            <a:endParaRPr lang="en-GB" dirty="0"/>
+          </a:p>
+          <a:p>
+            <a:pPr marL="457200" lvl="1" indent="0">
+              <a:buNone/>
+            </a:pPr>
+            <a:endParaRPr lang="en-GB" dirty="0" smtClean="0"/>
+          </a:p>
         </p:txBody>
       </p:sp>
-      <p:pic>
-        <p:nvPicPr>
-          <p:cNvPr id="5" name="Picture 4"/>
-          <p:cNvPicPr>
-            <a:picLocks noChangeAspect="1"/>
-          </p:cNvPicPr>
-          <p:nvPr/>
-        </p:nvPicPr>
-        <p:blipFill>
-          <a:blip r:embed="rId2"/>
-          <a:stretch>
-            <a:fillRect/>
-          </a:stretch>
-        </p:blipFill>
-        <p:spPr>
-          <a:xfrm>
-            <a:off x="3829050" y="4938712"/>
-            <a:ext cx="4533900" cy="714375"/>
-          </a:xfrm>
-          <a:prstGeom prst="rect">
-            <a:avLst/>
-          </a:prstGeom>
-        </p:spPr>
-      </p:pic>
     </p:spTree>
     <p:extLst>
       <p:ext uri="{BB962C8B-B14F-4D97-AF65-F5344CB8AC3E}">
@@ -5413,7 +5607,7 @@
                             </p:stCondLst>
                             <p:childTnLst>
                               <p:par>
-                                <p:cTn id="21" presetID="1" presetClass="entr" presetSubtype="0" fill="hold" nodeType="clickEffect">
+                                <p:cTn id="21" presetID="1" presetClass="entr" presetSubtype="0" fill="hold" grpId="0" nodeType="clickEffect">
                                   <p:stCondLst>
                                     <p:cond delay="0"/>
                                   </p:stCondLst>
@@ -5426,7 +5620,104 @@
                                           </p:stCondLst>
                                         </p:cTn>
                                         <p:tgtEl>
-                                          <p:spTgt spid="5"/>
+                                          <p:spTgt spid="3">
+                                            <p:txEl>
+                                              <p:pRg st="6" end="6"/>
+                                            </p:txEl>
+                                          </p:spTgt>
+                                        </p:tgtEl>
+                                        <p:attrNameLst>
+                                          <p:attrName>style.visibility</p:attrName>
+                                        </p:attrNameLst>
+                                      </p:cBhvr>
+                                      <p:to>
+                                        <p:strVal val="visible"/>
+                                      </p:to>
+                                    </p:set>
+                                  </p:childTnLst>
+                                </p:cTn>
+                              </p:par>
+                              <p:par>
+                                <p:cTn id="23" presetID="1" presetClass="entr" presetSubtype="0" fill="hold" grpId="0" nodeType="withEffect">
+                                  <p:stCondLst>
+                                    <p:cond delay="0"/>
+                                  </p:stCondLst>
+                                  <p:childTnLst>
+                                    <p:set>
+                                      <p:cBhvr>
+                                        <p:cTn id="24" dur="1" fill="hold">
+                                          <p:stCondLst>
+                                            <p:cond delay="0"/>
+                                          </p:stCondLst>
+                                        </p:cTn>
+                                        <p:tgtEl>
+                                          <p:spTgt spid="3">
+                                            <p:txEl>
+                                              <p:pRg st="7" end="7"/>
+                                            </p:txEl>
+                                          </p:spTgt>
+                                        </p:tgtEl>
+                                        <p:attrNameLst>
+                                          <p:attrName>style.visibility</p:attrName>
+                                        </p:attrNameLst>
+                                      </p:cBhvr>
+                                      <p:to>
+                                        <p:strVal val="visible"/>
+                                      </p:to>
+                                    </p:set>
+                                  </p:childTnLst>
+                                </p:cTn>
+                              </p:par>
+                              <p:par>
+                                <p:cTn id="25" presetID="1" presetClass="entr" presetSubtype="0" fill="hold" grpId="0" nodeType="withEffect">
+                                  <p:stCondLst>
+                                    <p:cond delay="0"/>
+                                  </p:stCondLst>
+                                  <p:childTnLst>
+                                    <p:set>
+                                      <p:cBhvr>
+                                        <p:cTn id="26" dur="1" fill="hold">
+                                          <p:stCondLst>
+                                            <p:cond delay="0"/>
+                                          </p:stCondLst>
+                                        </p:cTn>
+                                        <p:tgtEl>
+                                          <p:spTgt spid="3">
+                                            <p:txEl>
+                                              <p:pRg st="8" end="8"/>
+                                            </p:txEl>
+                                          </p:spTgt>
+                                        </p:tgtEl>
+                                        <p:attrNameLst>
+                                          <p:attrName>style.visibility</p:attrName>
+                                        </p:attrNameLst>
+                                      </p:cBhvr>
+                                      <p:to>
+                                        <p:strVal val="visible"/>
+                                      </p:to>
+                                    </p:set>
+                                  </p:childTnLst>
+                                </p:cTn>
+                              </p:par>
+                              <p:par>
+                                <p:cTn id="27" presetID="1" presetClass="entr" presetSubtype="0" fill="hold" grpId="0" nodeType="withEffect">
+                                  <p:stCondLst>
+                                    <p:cond delay="0"/>
+                                  </p:stCondLst>
+                                  <p:childTnLst>
+                                    <p:set>
+                                      <p:cBhvr>
+                                        <p:cTn id="28" dur="1" fill="hold">
+                                          <p:stCondLst>
+                                            <p:cond delay="0"/>
+                                          </p:stCondLst>
+                                        </p:cTn>
+                                        <p:tgtEl>
+                                          <p:spTgt spid="3">
+                                            <p:txEl>
+                                              <p:pRg st="9" end="9"/>
+                                            </p:txEl>
+                                          </p:spTgt>
                                         </p:tgtEl>
                                         <p:attrNameLst>
                                           <p:attrName>style.visibility</p:attrName>
@@ -5473,7 +5764,7 @@
 </p:sld>
 </file>
 
-<file path=ppt/slides/slide16.xml><?xml version="1.0" encoding="utf-8"?>
+<file path=ppt/slides/slide17.xml><?xml version="1.0" encoding="utf-8"?>
 <p:sld xmlns:a="http://schemas.openxmlformats.org/drawingml/2006/main" xmlns:r="http://schemas.openxmlformats.org/officeDocument/2006/relationships" xmlns:p="http://schemas.openxmlformats.org/presentationml/2006/main">
   <p:cSld>
     <p:spTree>
@@ -5831,7 +6122,7 @@
 </p:sld>
 </file>
 
-<file path=ppt/slides/slide17.xml><?xml version="1.0" encoding="utf-8"?>
+<file path=ppt/slides/slide18.xml><?xml version="1.0" encoding="utf-8"?>
 <p:sld xmlns:a="http://schemas.openxmlformats.org/drawingml/2006/main" xmlns:r="http://schemas.openxmlformats.org/officeDocument/2006/relationships" xmlns:p="http://schemas.openxmlformats.org/presentationml/2006/main">
   <p:cSld>
     <p:spTree>
@@ -6141,7 +6432,7 @@
 </p:sld>
 </file>
 
-<file path=ppt/slides/slide18.xml><?xml version="1.0" encoding="utf-8"?>
+<file path=ppt/slides/slide19.xml><?xml version="1.0" encoding="utf-8"?>
 <p:sld xmlns:a="http://schemas.openxmlformats.org/drawingml/2006/main" xmlns:r="http://schemas.openxmlformats.org/officeDocument/2006/relationships" xmlns:p="http://schemas.openxmlformats.org/presentationml/2006/main">
   <p:cSld>
     <p:spTree>
@@ -6175,13 +6466,9 @@
           <a:p>
             <a:r>
               <a:rPr lang="en-GB" dirty="0" smtClean="0"/>
-              <a:t>Using </a:t>
-            </a:r>
-            <a:r>
-              <a:rPr lang="en-GB" b="1" dirty="0" err="1" smtClean="0"/>
-              <a:t>qtpy</a:t>
-            </a:r>
-            <a:endParaRPr lang="en-GB" b="1" dirty="0"/>
+              <a:t>Better mocking of a view</a:t>
+            </a:r>
+            <a:endParaRPr lang="en-GB" dirty="0"/>
           </a:p>
         </p:txBody>
       </p:sp>
@@ -6200,94 +6487,83 @@
           <a:bodyPr/>
           <a:lstStyle/>
           <a:p>
-            <a:pPr>
-              <a:lnSpc>
-                <a:spcPct val="150000"/>
-              </a:lnSpc>
-            </a:pPr>
-            <a:r>
-              <a:rPr lang="en-GB" dirty="0" smtClean="0"/>
-              <a:t>Connecting things </a:t>
-            </a:r>
-          </a:p>
-          <a:p>
-            <a:pPr lvl="1">
-              <a:lnSpc>
-                <a:spcPct val="150000"/>
-              </a:lnSpc>
-            </a:pPr>
-            <a:r>
-              <a:rPr lang="en-GB" dirty="0" smtClean="0"/>
-              <a:t>Much easier than C++ with Qt4</a:t>
-            </a:r>
-          </a:p>
-          <a:p>
-            <a:pPr lvl="1">
-              <a:lnSpc>
-                <a:spcPct val="150000"/>
-              </a:lnSpc>
-            </a:pPr>
-            <a:r>
-              <a:rPr lang="en-GB" dirty="0" smtClean="0"/>
-              <a:t>Somewhat easier than C++ with Qt5</a:t>
-            </a:r>
-          </a:p>
-          <a:p>
-            <a:pPr>
-              <a:lnSpc>
-                <a:spcPct val="150000"/>
-              </a:lnSpc>
-            </a:pPr>
-            <a:r>
-              <a:rPr lang="en-GB" dirty="0" err="1" smtClean="0"/>
-              <a:t>self.button.clicked.connect</a:t>
-            </a:r>
-            <a:r>
-              <a:rPr lang="en-GB" dirty="0" smtClean="0"/>
-              <a:t>(</a:t>
-            </a:r>
-            <a:r>
-              <a:rPr lang="en-GB" i="1" dirty="0" err="1" smtClean="0"/>
-              <a:t>recieving_function</a:t>
-            </a:r>
-            <a:r>
-              <a:rPr lang="en-GB" dirty="0" smtClean="0"/>
-              <a:t>)</a:t>
-            </a:r>
-          </a:p>
-          <a:p>
-            <a:pPr>
-              <a:lnSpc>
-                <a:spcPct val="150000"/>
-              </a:lnSpc>
-            </a:pPr>
-            <a:r>
-              <a:rPr lang="en-GB" dirty="0" smtClean="0"/>
-              <a:t>To see what you get on the </a:t>
-            </a:r>
-            <a:r>
-              <a:rPr lang="en-GB" i="1" dirty="0" err="1" smtClean="0"/>
-              <a:t>recieving_function</a:t>
-            </a:r>
-            <a:r>
-              <a:rPr lang="en-GB" dirty="0" smtClean="0"/>
-              <a:t>, you read the </a:t>
-            </a:r>
-            <a:r>
-              <a:rPr lang="en-GB" dirty="0" err="1" smtClean="0"/>
-              <a:t>Qt</a:t>
-            </a:r>
-            <a:r>
-              <a:rPr lang="en-GB" dirty="0" smtClean="0"/>
-              <a:t> docs!</a:t>
-            </a:r>
+            <a:r>
+              <a:rPr lang="en-GB" dirty="0" smtClean="0"/>
+              <a:t>Do not mock out the whole view with </a:t>
+            </a:r>
+          </a:p>
+          <a:p>
+            <a:pPr lvl="1"/>
+            <a:r>
+              <a:rPr lang="en-GB" dirty="0" smtClean="0"/>
+              <a:t>view = Mock()</a:t>
+            </a:r>
+          </a:p>
+          <a:p>
+            <a:r>
+              <a:rPr lang="en-GB" dirty="0" smtClean="0"/>
+              <a:t>Mock out the interface of the view</a:t>
+            </a:r>
+            <a:endParaRPr lang="en-GB" dirty="0"/>
+          </a:p>
+          <a:p>
+            <a:pPr lvl="1"/>
+            <a:endParaRPr lang="en-GB" dirty="0"/>
           </a:p>
         </p:txBody>
       </p:sp>
+      <p:pic>
+        <p:nvPicPr>
+          <p:cNvPr id="4" name="Picture 3"/>
+          <p:cNvPicPr>
+            <a:picLocks noChangeAspect="1"/>
+          </p:cNvPicPr>
+          <p:nvPr/>
+        </p:nvPicPr>
+        <p:blipFill>
+          <a:blip r:embed="rId2"/>
+          <a:stretch>
+            <a:fillRect/>
+          </a:stretch>
+        </p:blipFill>
+        <p:spPr>
+          <a:xfrm>
+            <a:off x="653774" y="3356504"/>
+            <a:ext cx="6891130" cy="3045072"/>
+          </a:xfrm>
+          <a:prstGeom prst="rect">
+            <a:avLst/>
+          </a:prstGeom>
+        </p:spPr>
+      </p:pic>
+      <p:pic>
+        <p:nvPicPr>
+          <p:cNvPr id="6" name="Picture 5"/>
+          <p:cNvPicPr>
+            <a:picLocks noChangeAspect="1"/>
+          </p:cNvPicPr>
+          <p:nvPr/>
+        </p:nvPicPr>
+        <p:blipFill>
+          <a:blip r:embed="rId3"/>
+          <a:stretch>
+            <a:fillRect/>
+          </a:stretch>
+        </p:blipFill>
+        <p:spPr>
+          <a:xfrm>
+            <a:off x="7563620" y="3933297"/>
+            <a:ext cx="3790180" cy="2122946"/>
+          </a:xfrm>
+          <a:prstGeom prst="rect">
+            <a:avLst/>
+          </a:prstGeom>
+        </p:spPr>
+      </p:pic>
     </p:spTree>
     <p:extLst>
       <p:ext uri="{BB962C8B-B14F-4D97-AF65-F5344CB8AC3E}">
-        <p14:creationId xmlns:p14="http://schemas.microsoft.com/office/powerpoint/2010/main" val="3319111079"/>
+        <p14:creationId xmlns:p14="http://schemas.microsoft.com/office/powerpoint/2010/main" val="3056520131"/>
       </p:ext>
     </p:extLst>
   </p:cSld>
@@ -6315,7 +6591,7 @@
                             </p:stCondLst>
                             <p:childTnLst>
                               <p:par>
-                                <p:cTn id="5" presetID="1" presetClass="entr" presetSubtype="0" fill="hold" grpId="0" nodeType="clickEffect">
+                                <p:cTn id="5" presetID="1" presetClass="entr" presetSubtype="0" fill="hold" nodeType="clickEffect">
                                   <p:stCondLst>
                                     <p:cond delay="0"/>
                                   </p:stCondLst>
@@ -6346,7 +6622,7 @@
                                 </p:cTn>
                               </p:par>
                               <p:par>
-                                <p:cTn id="7" presetID="1" presetClass="entr" presetSubtype="0" fill="hold" grpId="0" nodeType="withEffect">
+                                <p:cTn id="7" presetID="1" presetClass="entr" presetSubtype="0" fill="hold" nodeType="withEffect">
                                   <p:stCondLst>
                                     <p:cond delay="0"/>
                                   </p:stCondLst>
@@ -6376,15 +6652,33 @@
                                   </p:childTnLst>
                                 </p:cTn>
                               </p:par>
+                            </p:childTnLst>
+                          </p:cTn>
+                        </p:par>
+                      </p:childTnLst>
+                    </p:cTn>
+                  </p:par>
+                  <p:par>
+                    <p:cTn id="9" fill="hold">
+                      <p:stCondLst>
+                        <p:cond delay="indefinite"/>
+                      </p:stCondLst>
+                      <p:childTnLst>
+                        <p:par>
+                          <p:cTn id="10" fill="hold">
+                            <p:stCondLst>
+                              <p:cond delay="0"/>
+                            </p:stCondLst>
+                            <p:childTnLst>
                               <p:par>
-                                <p:cTn id="9" presetID="1" presetClass="entr" presetSubtype="0" fill="hold" grpId="0" nodeType="withEffect">
+                                <p:cTn id="11" presetID="1" presetClass="entr" presetSubtype="0" fill="hold" nodeType="clickEffect">
                                   <p:stCondLst>
                                     <p:cond delay="0"/>
                                   </p:stCondLst>
                                   <p:childTnLst>
                                     <p:set>
                                       <p:cBhvr>
-                                        <p:cTn id="10" dur="1" fill="hold">
+                                        <p:cTn id="12" dur="1" fill="hold">
                                           <p:stCondLst>
                                             <p:cond delay="0"/>
                                           </p:stCondLst>
@@ -6407,26 +6701,8 @@
                                   </p:childTnLst>
                                 </p:cTn>
                               </p:par>
-                            </p:childTnLst>
-                          </p:cTn>
-                        </p:par>
-                      </p:childTnLst>
-                    </p:cTn>
-                  </p:par>
-                  <p:par>
-                    <p:cTn id="11" fill="hold">
-                      <p:stCondLst>
-                        <p:cond delay="indefinite"/>
-                      </p:stCondLst>
-                      <p:childTnLst>
-                        <p:par>
-                          <p:cTn id="12" fill="hold">
-                            <p:stCondLst>
-                              <p:cond delay="0"/>
-                            </p:stCondLst>
-                            <p:childTnLst>
                               <p:par>
-                                <p:cTn id="13" presetID="1" presetClass="entr" presetSubtype="0" fill="hold" grpId="0" nodeType="clickEffect">
+                                <p:cTn id="13" presetID="1" presetClass="entr" presetSubtype="0" fill="hold" nodeType="withEffect">
                                   <p:stCondLst>
                                     <p:cond delay="0"/>
                                   </p:stCondLst>
@@ -6439,11 +6715,7 @@
                                           </p:stCondLst>
                                         </p:cTn>
                                         <p:tgtEl>
-                                          <p:spTgt spid="3">
-                                            <p:txEl>
-                                              <p:pRg st="3" end="3"/>
-                                            </p:txEl>
-                                          </p:spTgt>
+                                          <p:spTgt spid="4"/>
                                         </p:tgtEl>
                                         <p:attrNameLst>
                                           <p:attrName>style.visibility</p:attrName>
@@ -6456,43 +6728,21 @@
                                   </p:childTnLst>
                                 </p:cTn>
                               </p:par>
-                            </p:childTnLst>
-                          </p:cTn>
-                        </p:par>
-                      </p:childTnLst>
-                    </p:cTn>
-                  </p:par>
-                  <p:par>
-                    <p:cTn id="15" fill="hold">
-                      <p:stCondLst>
-                        <p:cond delay="indefinite"/>
-                      </p:stCondLst>
-                      <p:childTnLst>
-                        <p:par>
-                          <p:cTn id="16" fill="hold">
-                            <p:stCondLst>
-                              <p:cond delay="0"/>
-                            </p:stCondLst>
-                            <p:childTnLst>
                               <p:par>
-                                <p:cTn id="17" presetID="1" presetClass="entr" presetSubtype="0" fill="hold" grpId="0" nodeType="clickEffect">
+                                <p:cTn id="15" presetID="1" presetClass="entr" presetSubtype="0" fill="hold" nodeType="withEffect">
                                   <p:stCondLst>
                                     <p:cond delay="0"/>
                                   </p:stCondLst>
                                   <p:childTnLst>
                                     <p:set>
                                       <p:cBhvr>
-                                        <p:cTn id="18" dur="1" fill="hold">
+                                        <p:cTn id="16" dur="1" fill="hold">
                                           <p:stCondLst>
                                             <p:cond delay="0"/>
                                           </p:stCondLst>
                                         </p:cTn>
                                         <p:tgtEl>
-                                          <p:spTgt spid="3">
-                                            <p:txEl>
-                                              <p:pRg st="4" end="4"/>
-                                            </p:txEl>
-                                          </p:spTgt>
+                                          <p:spTgt spid="6"/>
                                         </p:tgtEl>
                                         <p:attrNameLst>
                                           <p:attrName>style.visibility</p:attrName>
@@ -6530,165 +6780,6 @@
             </p:seq>
           </p:childTnLst>
         </p:cTn>
-      </p:par>
-    </p:tnLst>
-    <p:bldLst>
-      <p:bldP spid="3" grpId="0" build="p"/>
-    </p:bldLst>
-  </p:timing>
-</p:sld>
-</file>
-
-<file path=ppt/slides/slide19.xml><?xml version="1.0" encoding="utf-8"?>
-<p:sld xmlns:a="http://schemas.openxmlformats.org/drawingml/2006/main" xmlns:r="http://schemas.openxmlformats.org/officeDocument/2006/relationships" xmlns:p="http://schemas.openxmlformats.org/presentationml/2006/main">
-  <p:cSld>
-    <p:spTree>
-      <p:nvGrpSpPr>
-        <p:cNvPr id="1" name=""/>
-        <p:cNvGrpSpPr/>
-        <p:nvPr/>
-      </p:nvGrpSpPr>
-      <p:grpSpPr>
-        <a:xfrm>
-          <a:off x="0" y="0"/>
-          <a:ext cx="0" cy="0"/>
-          <a:chOff x="0" y="0"/>
-          <a:chExt cx="0" cy="0"/>
-        </a:xfrm>
-      </p:grpSpPr>
-      <p:sp>
-        <p:nvSpPr>
-          <p:cNvPr id="2" name="Title 1"/>
-          <p:cNvSpPr>
-            <a:spLocks noGrp="1"/>
-          </p:cNvSpPr>
-          <p:nvPr>
-            <p:ph type="title"/>
-          </p:nvPr>
-        </p:nvSpPr>
-        <p:spPr/>
-        <p:txBody>
-          <a:bodyPr/>
-          <a:lstStyle/>
-          <a:p>
-            <a:r>
-              <a:rPr lang="en-GB" dirty="0" smtClean="0"/>
-              <a:t>Instructions to start off</a:t>
-            </a:r>
-            <a:endParaRPr lang="en-GB" dirty="0"/>
-          </a:p>
-        </p:txBody>
-      </p:sp>
-      <p:sp>
-        <p:nvSpPr>
-          <p:cNvPr id="3" name="Content Placeholder 2"/>
-          <p:cNvSpPr>
-            <a:spLocks noGrp="1"/>
-          </p:cNvSpPr>
-          <p:nvPr>
-            <p:ph idx="1"/>
-          </p:nvPr>
-        </p:nvSpPr>
-        <p:spPr/>
-        <p:txBody>
-          <a:bodyPr/>
-          <a:lstStyle/>
-          <a:p>
-            <a:r>
-              <a:rPr lang="en-GB" dirty="0" smtClean="0"/>
-              <a:t>All OSs</a:t>
-            </a:r>
-          </a:p>
-          <a:p>
-            <a:pPr lvl="1"/>
-            <a:r>
-              <a:rPr lang="en-GB" dirty="0" smtClean="0"/>
-              <a:t>git clone https://github.com/DTasev/mvp</a:t>
-            </a:r>
-          </a:p>
-          <a:p>
-            <a:r>
-              <a:rPr lang="en-GB" dirty="0" smtClean="0"/>
-              <a:t>Windows</a:t>
-            </a:r>
-          </a:p>
-          <a:p>
-            <a:pPr lvl="1"/>
-            <a:r>
-              <a:rPr lang="en-GB" dirty="0" smtClean="0"/>
-              <a:t>Go to a build </a:t>
-            </a:r>
-          </a:p>
-          <a:p>
-            <a:pPr lvl="1"/>
-            <a:r>
-              <a:rPr lang="en-GB" dirty="0" smtClean="0"/>
-              <a:t>Start command-prompt.bat</a:t>
-            </a:r>
-          </a:p>
-          <a:p>
-            <a:pPr lvl="1"/>
-            <a:r>
-              <a:rPr lang="en-GB" dirty="0" smtClean="0"/>
-              <a:t>Navigate to where you cloned the repo</a:t>
-            </a:r>
-          </a:p>
-          <a:p>
-            <a:pPr lvl="1"/>
-            <a:r>
-              <a:rPr lang="en-GB" dirty="0" smtClean="0"/>
-              <a:t>Type `</a:t>
-            </a:r>
-            <a:r>
-              <a:rPr lang="en-GB" dirty="0" err="1" smtClean="0"/>
-              <a:t>powershell</a:t>
-            </a:r>
-            <a:r>
-              <a:rPr lang="en-GB" dirty="0" smtClean="0"/>
-              <a:t>` if you don’t like `</a:t>
-            </a:r>
-            <a:r>
-              <a:rPr lang="en-GB" dirty="0" err="1" smtClean="0"/>
-              <a:t>cmd</a:t>
-            </a:r>
-            <a:r>
-              <a:rPr lang="en-GB" dirty="0" smtClean="0"/>
-              <a:t>`, the environment will be kept</a:t>
-            </a:r>
-          </a:p>
-          <a:p>
-            <a:r>
-              <a:rPr lang="en-GB" dirty="0" smtClean="0"/>
-              <a:t>Linux</a:t>
-            </a:r>
-          </a:p>
-          <a:p>
-            <a:pPr lvl="1"/>
-            <a:r>
-              <a:rPr lang="en-GB" dirty="0" smtClean="0"/>
-              <a:t>Go</a:t>
-            </a:r>
-          </a:p>
-          <a:p>
-            <a:pPr lvl="1"/>
-            <a:endParaRPr lang="en-GB" dirty="0"/>
-          </a:p>
-        </p:txBody>
-      </p:sp>
-    </p:spTree>
-    <p:extLst>
-      <p:ext uri="{BB962C8B-B14F-4D97-AF65-F5344CB8AC3E}">
-        <p14:creationId xmlns:p14="http://schemas.microsoft.com/office/powerpoint/2010/main" val="1356551104"/>
-      </p:ext>
-    </p:extLst>
-  </p:cSld>
-  <p:clrMapOvr>
-    <a:masterClrMapping/>
-  </p:clrMapOvr>
-  <p:timing>
-    <p:tnLst>
-      <p:par>
-        <p:cTn id="1" dur="indefinite" restart="never" nodeType="tmRoot"/>
       </p:par>
     </p:tnLst>
   </p:timing>
@@ -7330,6 +7421,991 @@
           <a:p>
             <a:r>
               <a:rPr lang="en-GB" dirty="0" smtClean="0"/>
+              <a:t>Use </a:t>
+            </a:r>
+            <a:r>
+              <a:rPr lang="en-GB" dirty="0" err="1" smtClean="0"/>
+              <a:t>StrictMock</a:t>
+            </a:r>
+            <a:r>
+              <a:rPr lang="en-GB" dirty="0"/>
+              <a:t> </a:t>
+            </a:r>
+            <a:r>
+              <a:rPr lang="en-GB" dirty="0" smtClean="0"/>
+              <a:t>for mocking functions</a:t>
+            </a:r>
+            <a:endParaRPr lang="en-GB" dirty="0"/>
+          </a:p>
+        </p:txBody>
+      </p:sp>
+      <p:sp>
+        <p:nvSpPr>
+          <p:cNvPr id="3" name="Content Placeholder 2"/>
+          <p:cNvSpPr>
+            <a:spLocks noGrp="1"/>
+          </p:cNvSpPr>
+          <p:nvPr>
+            <p:ph idx="1"/>
+          </p:nvPr>
+        </p:nvSpPr>
+        <p:spPr/>
+        <p:txBody>
+          <a:bodyPr/>
+          <a:lstStyle/>
+          <a:p>
+            <a:r>
+              <a:rPr lang="en-GB" dirty="0" err="1" smtClean="0"/>
+              <a:t>StrictMock</a:t>
+            </a:r>
+            <a:r>
+              <a:rPr lang="en-GB" dirty="0" smtClean="0"/>
+              <a:t>, </a:t>
+            </a:r>
+            <a:r>
+              <a:rPr lang="en-GB" dirty="0" err="1" smtClean="0"/>
+              <a:t>StrictPropertyMock</a:t>
+            </a:r>
+            <a:r>
+              <a:rPr lang="en-GB" dirty="0" smtClean="0"/>
+              <a:t> are </a:t>
+            </a:r>
+            <a:r>
+              <a:rPr lang="en-GB" dirty="0" err="1" smtClean="0"/>
+              <a:t>Mantid</a:t>
+            </a:r>
+            <a:r>
+              <a:rPr lang="en-GB" dirty="0"/>
+              <a:t> </a:t>
+            </a:r>
+            <a:r>
+              <a:rPr lang="en-GB" dirty="0" smtClean="0"/>
+              <a:t>implementations</a:t>
+            </a:r>
+          </a:p>
+          <a:p>
+            <a:pPr lvl="1"/>
+            <a:r>
+              <a:rPr lang="en-GB" dirty="0" smtClean="0"/>
+              <a:t>Not available in Python’s Mock package</a:t>
+            </a:r>
+          </a:p>
+          <a:p>
+            <a:pPr lvl="1"/>
+            <a:r>
+              <a:rPr lang="en-GB" dirty="0" smtClean="0"/>
+              <a:t>They wrap Python’s Mock class</a:t>
+            </a:r>
+          </a:p>
+          <a:p>
+            <a:r>
+              <a:rPr lang="en-GB" dirty="0" err="1" smtClean="0"/>
+              <a:t>StrictMock</a:t>
+            </a:r>
+            <a:r>
+              <a:rPr lang="en-GB" dirty="0" smtClean="0"/>
+              <a:t> does NOT allow you to call anything that has not been explicitly declared</a:t>
+            </a:r>
+            <a:endParaRPr lang="en-GB" dirty="0"/>
+          </a:p>
+        </p:txBody>
+      </p:sp>
+      <p:pic>
+        <p:nvPicPr>
+          <p:cNvPr id="4" name="Picture 3"/>
+          <p:cNvPicPr>
+            <a:picLocks noChangeAspect="1"/>
+          </p:cNvPicPr>
+          <p:nvPr/>
+        </p:nvPicPr>
+        <p:blipFill>
+          <a:blip r:embed="rId2"/>
+          <a:stretch>
+            <a:fillRect/>
+          </a:stretch>
+        </p:blipFill>
+        <p:spPr>
+          <a:xfrm>
+            <a:off x="1092141" y="4188954"/>
+            <a:ext cx="3790180" cy="2122946"/>
+          </a:xfrm>
+          <a:prstGeom prst="rect">
+            <a:avLst/>
+          </a:prstGeom>
+        </p:spPr>
+      </p:pic>
+      <p:pic>
+        <p:nvPicPr>
+          <p:cNvPr id="6" name="Picture 5"/>
+          <p:cNvPicPr>
+            <a:picLocks noChangeAspect="1"/>
+          </p:cNvPicPr>
+          <p:nvPr/>
+        </p:nvPicPr>
+        <p:blipFill>
+          <a:blip r:embed="rId3"/>
+          <a:stretch>
+            <a:fillRect/>
+          </a:stretch>
+        </p:blipFill>
+        <p:spPr>
+          <a:xfrm>
+            <a:off x="5717209" y="4151588"/>
+            <a:ext cx="5334000" cy="2124075"/>
+          </a:xfrm>
+          <a:prstGeom prst="rect">
+            <a:avLst/>
+          </a:prstGeom>
+        </p:spPr>
+      </p:pic>
+    </p:spTree>
+    <p:extLst>
+      <p:ext uri="{BB962C8B-B14F-4D97-AF65-F5344CB8AC3E}">
+        <p14:creationId xmlns:p14="http://schemas.microsoft.com/office/powerpoint/2010/main" val="3465869416"/>
+      </p:ext>
+    </p:extLst>
+  </p:cSld>
+  <p:clrMapOvr>
+    <a:masterClrMapping/>
+  </p:clrMapOvr>
+  <p:timing>
+    <p:tnLst>
+      <p:par>
+        <p:cTn id="1" dur="indefinite" restart="never" nodeType="tmRoot">
+          <p:childTnLst>
+            <p:seq concurrent="1" nextAc="seek">
+              <p:cTn id="2" dur="indefinite" nodeType="mainSeq">
+                <p:childTnLst>
+                  <p:par>
+                    <p:cTn id="3" fill="hold">
+                      <p:stCondLst>
+                        <p:cond delay="indefinite"/>
+                      </p:stCondLst>
+                      <p:childTnLst>
+                        <p:par>
+                          <p:cTn id="4" fill="hold">
+                            <p:stCondLst>
+                              <p:cond delay="0"/>
+                            </p:stCondLst>
+                            <p:childTnLst>
+                              <p:par>
+                                <p:cTn id="5" presetID="1" presetClass="entr" presetSubtype="0" fill="hold" grpId="0" nodeType="clickEffect">
+                                  <p:stCondLst>
+                                    <p:cond delay="0"/>
+                                  </p:stCondLst>
+                                  <p:childTnLst>
+                                    <p:set>
+                                      <p:cBhvr>
+                                        <p:cTn id="6" dur="1" fill="hold">
+                                          <p:stCondLst>
+                                            <p:cond delay="0"/>
+                                          </p:stCondLst>
+                                        </p:cTn>
+                                        <p:tgtEl>
+                                          <p:spTgt spid="3">
+                                            <p:txEl>
+                                              <p:pRg st="0" end="0"/>
+                                            </p:txEl>
+                                          </p:spTgt>
+                                        </p:tgtEl>
+                                        <p:attrNameLst>
+                                          <p:attrName>style.visibility</p:attrName>
+                                        </p:attrNameLst>
+                                      </p:cBhvr>
+                                      <p:to>
+                                        <p:strVal val="visible"/>
+                                      </p:to>
+                                    </p:set>
+                                  </p:childTnLst>
+                                </p:cTn>
+                              </p:par>
+                              <p:par>
+                                <p:cTn id="7" presetID="1" presetClass="entr" presetSubtype="0" fill="hold" grpId="0" nodeType="withEffect">
+                                  <p:stCondLst>
+                                    <p:cond delay="0"/>
+                                  </p:stCondLst>
+                                  <p:childTnLst>
+                                    <p:set>
+                                      <p:cBhvr>
+                                        <p:cTn id="8" dur="1" fill="hold">
+                                          <p:stCondLst>
+                                            <p:cond delay="0"/>
+                                          </p:stCondLst>
+                                        </p:cTn>
+                                        <p:tgtEl>
+                                          <p:spTgt spid="3">
+                                            <p:txEl>
+                                              <p:pRg st="1" end="1"/>
+                                            </p:txEl>
+                                          </p:spTgt>
+                                        </p:tgtEl>
+                                        <p:attrNameLst>
+                                          <p:attrName>style.visibility</p:attrName>
+                                        </p:attrNameLst>
+                                      </p:cBhvr>
+                                      <p:to>
+                                        <p:strVal val="visible"/>
+                                      </p:to>
+                                    </p:set>
+                                  </p:childTnLst>
+                                </p:cTn>
+                              </p:par>
+                              <p:par>
+                                <p:cTn id="9" presetID="1" presetClass="entr" presetSubtype="0" fill="hold" grpId="0" nodeType="withEffect">
+                                  <p:stCondLst>
+                                    <p:cond delay="0"/>
+                                  </p:stCondLst>
+                                  <p:childTnLst>
+                                    <p:set>
+                                      <p:cBhvr>
+                                        <p:cTn id="10" dur="1" fill="hold">
+                                          <p:stCondLst>
+                                            <p:cond delay="0"/>
+                                          </p:stCondLst>
+                                        </p:cTn>
+                                        <p:tgtEl>
+                                          <p:spTgt spid="3">
+                                            <p:txEl>
+                                              <p:pRg st="2" end="2"/>
+                                            </p:txEl>
+                                          </p:spTgt>
+                                        </p:tgtEl>
+                                        <p:attrNameLst>
+                                          <p:attrName>style.visibility</p:attrName>
+                                        </p:attrNameLst>
+                                      </p:cBhvr>
+                                      <p:to>
+                                        <p:strVal val="visible"/>
+                                      </p:to>
+                                    </p:set>
+                                  </p:childTnLst>
+                                </p:cTn>
+                              </p:par>
+                            </p:childTnLst>
+                          </p:cTn>
+                        </p:par>
+                      </p:childTnLst>
+                    </p:cTn>
+                  </p:par>
+                  <p:par>
+                    <p:cTn id="11" fill="hold">
+                      <p:stCondLst>
+                        <p:cond delay="indefinite"/>
+                      </p:stCondLst>
+                      <p:childTnLst>
+                        <p:par>
+                          <p:cTn id="12" fill="hold">
+                            <p:stCondLst>
+                              <p:cond delay="0"/>
+                            </p:stCondLst>
+                            <p:childTnLst>
+                              <p:par>
+                                <p:cTn id="13" presetID="1" presetClass="entr" presetSubtype="0" fill="hold" grpId="0" nodeType="clickEffect">
+                                  <p:stCondLst>
+                                    <p:cond delay="0"/>
+                                  </p:stCondLst>
+                                  <p:childTnLst>
+                                    <p:set>
+                                      <p:cBhvr>
+                                        <p:cTn id="14" dur="1" fill="hold">
+                                          <p:stCondLst>
+                                            <p:cond delay="0"/>
+                                          </p:stCondLst>
+                                        </p:cTn>
+                                        <p:tgtEl>
+                                          <p:spTgt spid="3">
+                                            <p:txEl>
+                                              <p:pRg st="3" end="3"/>
+                                            </p:txEl>
+                                          </p:spTgt>
+                                        </p:tgtEl>
+                                        <p:attrNameLst>
+                                          <p:attrName>style.visibility</p:attrName>
+                                        </p:attrNameLst>
+                                      </p:cBhvr>
+                                      <p:to>
+                                        <p:strVal val="visible"/>
+                                      </p:to>
+                                    </p:set>
+                                  </p:childTnLst>
+                                </p:cTn>
+                              </p:par>
+                              <p:par>
+                                <p:cTn id="15" presetID="1" presetClass="entr" presetSubtype="0" fill="hold" nodeType="withEffect">
+                                  <p:stCondLst>
+                                    <p:cond delay="0"/>
+                                  </p:stCondLst>
+                                  <p:childTnLst>
+                                    <p:set>
+                                      <p:cBhvr>
+                                        <p:cTn id="16" dur="1" fill="hold">
+                                          <p:stCondLst>
+                                            <p:cond delay="0"/>
+                                          </p:stCondLst>
+                                        </p:cTn>
+                                        <p:tgtEl>
+                                          <p:spTgt spid="6"/>
+                                        </p:tgtEl>
+                                        <p:attrNameLst>
+                                          <p:attrName>style.visibility</p:attrName>
+                                        </p:attrNameLst>
+                                      </p:cBhvr>
+                                      <p:to>
+                                        <p:strVal val="visible"/>
+                                      </p:to>
+                                    </p:set>
+                                  </p:childTnLst>
+                                </p:cTn>
+                              </p:par>
+                              <p:par>
+                                <p:cTn id="17" presetID="1" presetClass="entr" presetSubtype="0" fill="hold" nodeType="withEffect">
+                                  <p:stCondLst>
+                                    <p:cond delay="0"/>
+                                  </p:stCondLst>
+                                  <p:childTnLst>
+                                    <p:set>
+                                      <p:cBhvr>
+                                        <p:cTn id="18" dur="1" fill="hold">
+                                          <p:stCondLst>
+                                            <p:cond delay="0"/>
+                                          </p:stCondLst>
+                                        </p:cTn>
+                                        <p:tgtEl>
+                                          <p:spTgt spid="4"/>
+                                        </p:tgtEl>
+                                        <p:attrNameLst>
+                                          <p:attrName>style.visibility</p:attrName>
+                                        </p:attrNameLst>
+                                      </p:cBhvr>
+                                      <p:to>
+                                        <p:strVal val="visible"/>
+                                      </p:to>
+                                    </p:set>
+                                  </p:childTnLst>
+                                </p:cTn>
+                              </p:par>
+                            </p:childTnLst>
+                          </p:cTn>
+                        </p:par>
+                      </p:childTnLst>
+                    </p:cTn>
+                  </p:par>
+                </p:childTnLst>
+              </p:cTn>
+              <p:prevCondLst>
+                <p:cond evt="onPrev" delay="0">
+                  <p:tgtEl>
+                    <p:sldTgt/>
+                  </p:tgtEl>
+                </p:cond>
+              </p:prevCondLst>
+              <p:nextCondLst>
+                <p:cond evt="onNext" delay="0">
+                  <p:tgtEl>
+                    <p:sldTgt/>
+                  </p:tgtEl>
+                </p:cond>
+              </p:nextCondLst>
+            </p:seq>
+          </p:childTnLst>
+        </p:cTn>
+      </p:par>
+    </p:tnLst>
+    <p:bldLst>
+      <p:bldP spid="3" grpId="0" uiExpand="1" build="p"/>
+    </p:bldLst>
+  </p:timing>
+</p:sld>
+</file>
+
+<file path=ppt/slides/slide21.xml><?xml version="1.0" encoding="utf-8"?>
+<p:sld xmlns:a="http://schemas.openxmlformats.org/drawingml/2006/main" xmlns:r="http://schemas.openxmlformats.org/officeDocument/2006/relationships" xmlns:p="http://schemas.openxmlformats.org/presentationml/2006/main">
+  <p:cSld>
+    <p:spTree>
+      <p:nvGrpSpPr>
+        <p:cNvPr id="1" name=""/>
+        <p:cNvGrpSpPr/>
+        <p:nvPr/>
+      </p:nvGrpSpPr>
+      <p:grpSpPr>
+        <a:xfrm>
+          <a:off x="0" y="0"/>
+          <a:ext cx="0" cy="0"/>
+          <a:chOff x="0" y="0"/>
+          <a:chExt cx="0" cy="0"/>
+        </a:xfrm>
+      </p:grpSpPr>
+      <p:sp>
+        <p:nvSpPr>
+          <p:cNvPr id="2" name="Title 1"/>
+          <p:cNvSpPr>
+            <a:spLocks noGrp="1"/>
+          </p:cNvSpPr>
+          <p:nvPr>
+            <p:ph type="title"/>
+          </p:nvPr>
+        </p:nvSpPr>
+        <p:spPr/>
+        <p:txBody>
+          <a:bodyPr/>
+          <a:lstStyle/>
+          <a:p>
+            <a:r>
+              <a:rPr lang="en-GB" dirty="0" smtClean="0"/>
+              <a:t>Using </a:t>
+            </a:r>
+            <a:r>
+              <a:rPr lang="en-GB" b="1" dirty="0" err="1" smtClean="0"/>
+              <a:t>qtpy</a:t>
+            </a:r>
+            <a:endParaRPr lang="en-GB" b="1" dirty="0"/>
+          </a:p>
+        </p:txBody>
+      </p:sp>
+      <p:sp>
+        <p:nvSpPr>
+          <p:cNvPr id="3" name="Content Placeholder 2"/>
+          <p:cNvSpPr>
+            <a:spLocks noGrp="1"/>
+          </p:cNvSpPr>
+          <p:nvPr>
+            <p:ph idx="1"/>
+          </p:nvPr>
+        </p:nvSpPr>
+        <p:spPr/>
+        <p:txBody>
+          <a:bodyPr/>
+          <a:lstStyle/>
+          <a:p>
+            <a:pPr>
+              <a:lnSpc>
+                <a:spcPct val="150000"/>
+              </a:lnSpc>
+            </a:pPr>
+            <a:r>
+              <a:rPr lang="en-GB" dirty="0" smtClean="0"/>
+              <a:t>Connecting things </a:t>
+            </a:r>
+          </a:p>
+          <a:p>
+            <a:pPr lvl="1">
+              <a:lnSpc>
+                <a:spcPct val="150000"/>
+              </a:lnSpc>
+            </a:pPr>
+            <a:r>
+              <a:rPr lang="en-GB" dirty="0" smtClean="0"/>
+              <a:t>Much easier than C++ with Qt4</a:t>
+            </a:r>
+          </a:p>
+          <a:p>
+            <a:pPr lvl="1">
+              <a:lnSpc>
+                <a:spcPct val="150000"/>
+              </a:lnSpc>
+            </a:pPr>
+            <a:r>
+              <a:rPr lang="en-GB" dirty="0" smtClean="0"/>
+              <a:t>Somewhat easier than C++ with Qt5</a:t>
+            </a:r>
+          </a:p>
+          <a:p>
+            <a:pPr>
+              <a:lnSpc>
+                <a:spcPct val="150000"/>
+              </a:lnSpc>
+            </a:pPr>
+            <a:r>
+              <a:rPr lang="en-GB" dirty="0" err="1" smtClean="0"/>
+              <a:t>self.button.clicked.connect</a:t>
+            </a:r>
+            <a:r>
+              <a:rPr lang="en-GB" dirty="0" smtClean="0"/>
+              <a:t>(</a:t>
+            </a:r>
+            <a:r>
+              <a:rPr lang="en-GB" i="1" dirty="0" err="1" smtClean="0"/>
+              <a:t>recieving_function</a:t>
+            </a:r>
+            <a:r>
+              <a:rPr lang="en-GB" dirty="0" smtClean="0"/>
+              <a:t>)</a:t>
+            </a:r>
+          </a:p>
+          <a:p>
+            <a:pPr>
+              <a:lnSpc>
+                <a:spcPct val="150000"/>
+              </a:lnSpc>
+            </a:pPr>
+            <a:r>
+              <a:rPr lang="en-GB" dirty="0" smtClean="0"/>
+              <a:t>To see what you get on the </a:t>
+            </a:r>
+            <a:r>
+              <a:rPr lang="en-GB" i="1" dirty="0" err="1" smtClean="0"/>
+              <a:t>recieving_function</a:t>
+            </a:r>
+            <a:r>
+              <a:rPr lang="en-GB" dirty="0" smtClean="0"/>
+              <a:t>, you read the </a:t>
+            </a:r>
+            <a:r>
+              <a:rPr lang="en-GB" dirty="0" err="1" smtClean="0"/>
+              <a:t>Qt</a:t>
+            </a:r>
+            <a:r>
+              <a:rPr lang="en-GB" dirty="0" smtClean="0"/>
+              <a:t> docs!</a:t>
+            </a:r>
+          </a:p>
+        </p:txBody>
+      </p:sp>
+    </p:spTree>
+    <p:extLst>
+      <p:ext uri="{BB962C8B-B14F-4D97-AF65-F5344CB8AC3E}">
+        <p14:creationId xmlns:p14="http://schemas.microsoft.com/office/powerpoint/2010/main" val="3319111079"/>
+      </p:ext>
+    </p:extLst>
+  </p:cSld>
+  <p:clrMapOvr>
+    <a:masterClrMapping/>
+  </p:clrMapOvr>
+  <p:timing>
+    <p:tnLst>
+      <p:par>
+        <p:cTn id="1" dur="indefinite" restart="never" nodeType="tmRoot">
+          <p:childTnLst>
+            <p:seq concurrent="1" nextAc="seek">
+              <p:cTn id="2" dur="indefinite" nodeType="mainSeq">
+                <p:childTnLst>
+                  <p:par>
+                    <p:cTn id="3" fill="hold">
+                      <p:stCondLst>
+                        <p:cond delay="indefinite"/>
+                      </p:stCondLst>
+                      <p:childTnLst>
+                        <p:par>
+                          <p:cTn id="4" fill="hold">
+                            <p:stCondLst>
+                              <p:cond delay="0"/>
+                            </p:stCondLst>
+                            <p:childTnLst>
+                              <p:par>
+                                <p:cTn id="5" presetID="1" presetClass="entr" presetSubtype="0" fill="hold" grpId="0" nodeType="clickEffect">
+                                  <p:stCondLst>
+                                    <p:cond delay="0"/>
+                                  </p:stCondLst>
+                                  <p:childTnLst>
+                                    <p:set>
+                                      <p:cBhvr>
+                                        <p:cTn id="6" dur="1" fill="hold">
+                                          <p:stCondLst>
+                                            <p:cond delay="0"/>
+                                          </p:stCondLst>
+                                        </p:cTn>
+                                        <p:tgtEl>
+                                          <p:spTgt spid="3">
+                                            <p:txEl>
+                                              <p:pRg st="0" end="0"/>
+                                            </p:txEl>
+                                          </p:spTgt>
+                                        </p:tgtEl>
+                                        <p:attrNameLst>
+                                          <p:attrName>style.visibility</p:attrName>
+                                        </p:attrNameLst>
+                                      </p:cBhvr>
+                                      <p:to>
+                                        <p:strVal val="visible"/>
+                                      </p:to>
+                                    </p:set>
+                                  </p:childTnLst>
+                                </p:cTn>
+                              </p:par>
+                              <p:par>
+                                <p:cTn id="7" presetID="1" presetClass="entr" presetSubtype="0" fill="hold" grpId="0" nodeType="withEffect">
+                                  <p:stCondLst>
+                                    <p:cond delay="0"/>
+                                  </p:stCondLst>
+                                  <p:childTnLst>
+                                    <p:set>
+                                      <p:cBhvr>
+                                        <p:cTn id="8" dur="1" fill="hold">
+                                          <p:stCondLst>
+                                            <p:cond delay="0"/>
+                                          </p:stCondLst>
+                                        </p:cTn>
+                                        <p:tgtEl>
+                                          <p:spTgt spid="3">
+                                            <p:txEl>
+                                              <p:pRg st="1" end="1"/>
+                                            </p:txEl>
+                                          </p:spTgt>
+                                        </p:tgtEl>
+                                        <p:attrNameLst>
+                                          <p:attrName>style.visibility</p:attrName>
+                                        </p:attrNameLst>
+                                      </p:cBhvr>
+                                      <p:to>
+                                        <p:strVal val="visible"/>
+                                      </p:to>
+                                    </p:set>
+                                  </p:childTnLst>
+                                </p:cTn>
+                              </p:par>
+                              <p:par>
+                                <p:cTn id="9" presetID="1" presetClass="entr" presetSubtype="0" fill="hold" grpId="0" nodeType="withEffect">
+                                  <p:stCondLst>
+                                    <p:cond delay="0"/>
+                                  </p:stCondLst>
+                                  <p:childTnLst>
+                                    <p:set>
+                                      <p:cBhvr>
+                                        <p:cTn id="10" dur="1" fill="hold">
+                                          <p:stCondLst>
+                                            <p:cond delay="0"/>
+                                          </p:stCondLst>
+                                        </p:cTn>
+                                        <p:tgtEl>
+                                          <p:spTgt spid="3">
+                                            <p:txEl>
+                                              <p:pRg st="2" end="2"/>
+                                            </p:txEl>
+                                          </p:spTgt>
+                                        </p:tgtEl>
+                                        <p:attrNameLst>
+                                          <p:attrName>style.visibility</p:attrName>
+                                        </p:attrNameLst>
+                                      </p:cBhvr>
+                                      <p:to>
+                                        <p:strVal val="visible"/>
+                                      </p:to>
+                                    </p:set>
+                                  </p:childTnLst>
+                                </p:cTn>
+                              </p:par>
+                            </p:childTnLst>
+                          </p:cTn>
+                        </p:par>
+                      </p:childTnLst>
+                    </p:cTn>
+                  </p:par>
+                  <p:par>
+                    <p:cTn id="11" fill="hold">
+                      <p:stCondLst>
+                        <p:cond delay="indefinite"/>
+                      </p:stCondLst>
+                      <p:childTnLst>
+                        <p:par>
+                          <p:cTn id="12" fill="hold">
+                            <p:stCondLst>
+                              <p:cond delay="0"/>
+                            </p:stCondLst>
+                            <p:childTnLst>
+                              <p:par>
+                                <p:cTn id="13" presetID="1" presetClass="entr" presetSubtype="0" fill="hold" grpId="0" nodeType="clickEffect">
+                                  <p:stCondLst>
+                                    <p:cond delay="0"/>
+                                  </p:stCondLst>
+                                  <p:childTnLst>
+                                    <p:set>
+                                      <p:cBhvr>
+                                        <p:cTn id="14" dur="1" fill="hold">
+                                          <p:stCondLst>
+                                            <p:cond delay="0"/>
+                                          </p:stCondLst>
+                                        </p:cTn>
+                                        <p:tgtEl>
+                                          <p:spTgt spid="3">
+                                            <p:txEl>
+                                              <p:pRg st="3" end="3"/>
+                                            </p:txEl>
+                                          </p:spTgt>
+                                        </p:tgtEl>
+                                        <p:attrNameLst>
+                                          <p:attrName>style.visibility</p:attrName>
+                                        </p:attrNameLst>
+                                      </p:cBhvr>
+                                      <p:to>
+                                        <p:strVal val="visible"/>
+                                      </p:to>
+                                    </p:set>
+                                  </p:childTnLst>
+                                </p:cTn>
+                              </p:par>
+                            </p:childTnLst>
+                          </p:cTn>
+                        </p:par>
+                      </p:childTnLst>
+                    </p:cTn>
+                  </p:par>
+                  <p:par>
+                    <p:cTn id="15" fill="hold">
+                      <p:stCondLst>
+                        <p:cond delay="indefinite"/>
+                      </p:stCondLst>
+                      <p:childTnLst>
+                        <p:par>
+                          <p:cTn id="16" fill="hold">
+                            <p:stCondLst>
+                              <p:cond delay="0"/>
+                            </p:stCondLst>
+                            <p:childTnLst>
+                              <p:par>
+                                <p:cTn id="17" presetID="1" presetClass="entr" presetSubtype="0" fill="hold" grpId="0" nodeType="clickEffect">
+                                  <p:stCondLst>
+                                    <p:cond delay="0"/>
+                                  </p:stCondLst>
+                                  <p:childTnLst>
+                                    <p:set>
+                                      <p:cBhvr>
+                                        <p:cTn id="18" dur="1" fill="hold">
+                                          <p:stCondLst>
+                                            <p:cond delay="0"/>
+                                          </p:stCondLst>
+                                        </p:cTn>
+                                        <p:tgtEl>
+                                          <p:spTgt spid="3">
+                                            <p:txEl>
+                                              <p:pRg st="4" end="4"/>
+                                            </p:txEl>
+                                          </p:spTgt>
+                                        </p:tgtEl>
+                                        <p:attrNameLst>
+                                          <p:attrName>style.visibility</p:attrName>
+                                        </p:attrNameLst>
+                                      </p:cBhvr>
+                                      <p:to>
+                                        <p:strVal val="visible"/>
+                                      </p:to>
+                                    </p:set>
+                                  </p:childTnLst>
+                                </p:cTn>
+                              </p:par>
+                            </p:childTnLst>
+                          </p:cTn>
+                        </p:par>
+                      </p:childTnLst>
+                    </p:cTn>
+                  </p:par>
+                </p:childTnLst>
+              </p:cTn>
+              <p:prevCondLst>
+                <p:cond evt="onPrev" delay="0">
+                  <p:tgtEl>
+                    <p:sldTgt/>
+                  </p:tgtEl>
+                </p:cond>
+              </p:prevCondLst>
+              <p:nextCondLst>
+                <p:cond evt="onNext" delay="0">
+                  <p:tgtEl>
+                    <p:sldTgt/>
+                  </p:tgtEl>
+                </p:cond>
+              </p:nextCondLst>
+            </p:seq>
+          </p:childTnLst>
+        </p:cTn>
+      </p:par>
+    </p:tnLst>
+    <p:bldLst>
+      <p:bldP spid="3" grpId="0" build="p"/>
+    </p:bldLst>
+  </p:timing>
+</p:sld>
+</file>
+
+<file path=ppt/slides/slide22.xml><?xml version="1.0" encoding="utf-8"?>
+<p:sld xmlns:a="http://schemas.openxmlformats.org/drawingml/2006/main" xmlns:r="http://schemas.openxmlformats.org/officeDocument/2006/relationships" xmlns:p="http://schemas.openxmlformats.org/presentationml/2006/main">
+  <p:cSld>
+    <p:spTree>
+      <p:nvGrpSpPr>
+        <p:cNvPr id="1" name=""/>
+        <p:cNvGrpSpPr/>
+        <p:nvPr/>
+      </p:nvGrpSpPr>
+      <p:grpSpPr>
+        <a:xfrm>
+          <a:off x="0" y="0"/>
+          <a:ext cx="0" cy="0"/>
+          <a:chOff x="0" y="0"/>
+          <a:chExt cx="0" cy="0"/>
+        </a:xfrm>
+      </p:grpSpPr>
+      <p:sp>
+        <p:nvSpPr>
+          <p:cNvPr id="2" name="Title 1"/>
+          <p:cNvSpPr>
+            <a:spLocks noGrp="1"/>
+          </p:cNvSpPr>
+          <p:nvPr>
+            <p:ph type="title"/>
+          </p:nvPr>
+        </p:nvSpPr>
+        <p:spPr/>
+        <p:txBody>
+          <a:bodyPr/>
+          <a:lstStyle/>
+          <a:p>
+            <a:r>
+              <a:rPr lang="en-GB" dirty="0" smtClean="0"/>
+              <a:t>Instructions to start off</a:t>
+            </a:r>
+            <a:endParaRPr lang="en-GB" dirty="0"/>
+          </a:p>
+        </p:txBody>
+      </p:sp>
+      <p:sp>
+        <p:nvSpPr>
+          <p:cNvPr id="3" name="Content Placeholder 2"/>
+          <p:cNvSpPr>
+            <a:spLocks noGrp="1"/>
+          </p:cNvSpPr>
+          <p:nvPr>
+            <p:ph idx="1"/>
+          </p:nvPr>
+        </p:nvSpPr>
+        <p:spPr/>
+        <p:txBody>
+          <a:bodyPr/>
+          <a:lstStyle/>
+          <a:p>
+            <a:r>
+              <a:rPr lang="en-GB" dirty="0" smtClean="0"/>
+              <a:t>All OSs</a:t>
+            </a:r>
+          </a:p>
+          <a:p>
+            <a:pPr lvl="1"/>
+            <a:r>
+              <a:rPr lang="en-GB" dirty="0" smtClean="0"/>
+              <a:t>git clone https://github.com/DTasev/mvp</a:t>
+            </a:r>
+          </a:p>
+          <a:p>
+            <a:r>
+              <a:rPr lang="en-GB" dirty="0" smtClean="0"/>
+              <a:t>Windows</a:t>
+            </a:r>
+          </a:p>
+          <a:p>
+            <a:pPr lvl="1"/>
+            <a:r>
+              <a:rPr lang="en-GB" dirty="0" smtClean="0"/>
+              <a:t>Go to a build </a:t>
+            </a:r>
+          </a:p>
+          <a:p>
+            <a:pPr lvl="1"/>
+            <a:r>
+              <a:rPr lang="en-GB" dirty="0" smtClean="0"/>
+              <a:t>Start command-prompt.bat</a:t>
+            </a:r>
+          </a:p>
+          <a:p>
+            <a:pPr lvl="1"/>
+            <a:r>
+              <a:rPr lang="en-GB" dirty="0" smtClean="0"/>
+              <a:t>Navigate to where you cloned the repo</a:t>
+            </a:r>
+          </a:p>
+          <a:p>
+            <a:pPr lvl="1"/>
+            <a:r>
+              <a:rPr lang="en-GB" dirty="0" smtClean="0"/>
+              <a:t>Type `</a:t>
+            </a:r>
+            <a:r>
+              <a:rPr lang="en-GB" dirty="0" err="1" smtClean="0"/>
+              <a:t>powershell</a:t>
+            </a:r>
+            <a:r>
+              <a:rPr lang="en-GB" dirty="0" smtClean="0"/>
+              <a:t>` if you don’t like `</a:t>
+            </a:r>
+            <a:r>
+              <a:rPr lang="en-GB" dirty="0" err="1" smtClean="0"/>
+              <a:t>cmd</a:t>
+            </a:r>
+            <a:r>
+              <a:rPr lang="en-GB" dirty="0" smtClean="0"/>
+              <a:t>`, the environment will be kept</a:t>
+            </a:r>
+          </a:p>
+          <a:p>
+            <a:r>
+              <a:rPr lang="en-GB" dirty="0" smtClean="0"/>
+              <a:t>Linux</a:t>
+            </a:r>
+          </a:p>
+          <a:p>
+            <a:pPr lvl="1"/>
+            <a:r>
+              <a:rPr lang="en-GB" dirty="0" smtClean="0"/>
+              <a:t>Go</a:t>
+            </a:r>
+          </a:p>
+          <a:p>
+            <a:pPr lvl="1"/>
+            <a:endParaRPr lang="en-GB" dirty="0"/>
+          </a:p>
+        </p:txBody>
+      </p:sp>
+    </p:spTree>
+    <p:extLst>
+      <p:ext uri="{BB962C8B-B14F-4D97-AF65-F5344CB8AC3E}">
+        <p14:creationId xmlns:p14="http://schemas.microsoft.com/office/powerpoint/2010/main" val="1356551104"/>
+      </p:ext>
+    </p:extLst>
+  </p:cSld>
+  <p:clrMapOvr>
+    <a:masterClrMapping/>
+  </p:clrMapOvr>
+  <p:timing>
+    <p:tnLst>
+      <p:par>
+        <p:cTn id="1" dur="indefinite" restart="never" nodeType="tmRoot"/>
+      </p:par>
+    </p:tnLst>
+  </p:timing>
+</p:sld>
+</file>
+
+<file path=ppt/slides/slide23.xml><?xml version="1.0" encoding="utf-8"?>
+<p:sld xmlns:a="http://schemas.openxmlformats.org/drawingml/2006/main" xmlns:r="http://schemas.openxmlformats.org/officeDocument/2006/relationships" xmlns:p="http://schemas.openxmlformats.org/presentationml/2006/main">
+  <p:cSld>
+    <p:spTree>
+      <p:nvGrpSpPr>
+        <p:cNvPr id="1" name=""/>
+        <p:cNvGrpSpPr/>
+        <p:nvPr/>
+      </p:nvGrpSpPr>
+      <p:grpSpPr>
+        <a:xfrm>
+          <a:off x="0" y="0"/>
+          <a:ext cx="0" cy="0"/>
+          <a:chOff x="0" y="0"/>
+          <a:chExt cx="0" cy="0"/>
+        </a:xfrm>
+      </p:grpSpPr>
+      <p:sp>
+        <p:nvSpPr>
+          <p:cNvPr id="2" name="Title 1"/>
+          <p:cNvSpPr>
+            <a:spLocks noGrp="1"/>
+          </p:cNvSpPr>
+          <p:nvPr>
+            <p:ph type="title"/>
+          </p:nvPr>
+        </p:nvSpPr>
+        <p:spPr/>
+        <p:txBody>
+          <a:bodyPr/>
+          <a:lstStyle/>
+          <a:p>
+            <a:r>
+              <a:rPr lang="en-GB" dirty="0" smtClean="0"/>
               <a:t>Instructions to start off</a:t>
             </a:r>
             <a:endParaRPr lang="en-GB" dirty="0"/>
@@ -7470,7 +8546,7 @@
 </p:sld>
 </file>
 
-<file path=ppt/slides/slide21.xml><?xml version="1.0" encoding="utf-8"?>
+<file path=ppt/slides/slide24.xml><?xml version="1.0" encoding="utf-8"?>
 <p:sld xmlns:a="http://schemas.openxmlformats.org/drawingml/2006/main" xmlns:r="http://schemas.openxmlformats.org/officeDocument/2006/relationships" xmlns:p="http://schemas.openxmlformats.org/presentationml/2006/main">
   <p:cSld>
     <p:spTree>
@@ -7887,7 +8963,7 @@
 </p:sld>
 </file>
 
-<file path=ppt/slides/slide22.xml><?xml version="1.0" encoding="utf-8"?>
+<file path=ppt/slides/slide25.xml><?xml version="1.0" encoding="utf-8"?>
 <p:sld xmlns:a="http://schemas.openxmlformats.org/drawingml/2006/main" xmlns:r="http://schemas.openxmlformats.org/officeDocument/2006/relationships" xmlns:p="http://schemas.openxmlformats.org/presentationml/2006/main">
   <p:cSld>
     <p:spTree>
@@ -8260,7 +9336,7 @@
 </p:sld>
 </file>
 
-<file path=ppt/slides/slide23.xml><?xml version="1.0" encoding="utf-8"?>
+<file path=ppt/slides/slide26.xml><?xml version="1.0" encoding="utf-8"?>
 <p:sld xmlns:a="http://schemas.openxmlformats.org/drawingml/2006/main" xmlns:r="http://schemas.openxmlformats.org/officeDocument/2006/relationships" xmlns:p="http://schemas.openxmlformats.org/presentationml/2006/main">
   <p:cSld>
     <p:spTree>
@@ -8653,7 +9729,7 @@
 </p:sld>
 </file>
 
-<file path=ppt/slides/slide24.xml><?xml version="1.0" encoding="utf-8"?>
+<file path=ppt/slides/slide27.xml><?xml version="1.0" encoding="utf-8"?>
 <p:sld xmlns:a="http://schemas.openxmlformats.org/drawingml/2006/main" xmlns:r="http://schemas.openxmlformats.org/officeDocument/2006/relationships" xmlns:p="http://schemas.openxmlformats.org/presentationml/2006/main">
   <p:cSld>
     <p:spTree>
@@ -9244,7 +10320,7 @@
 </p:sld>
 </file>
 
-<file path=ppt/slides/slide25.xml><?xml version="1.0" encoding="utf-8"?>
+<file path=ppt/slides/slide28.xml><?xml version="1.0" encoding="utf-8"?>
 <p:sld xmlns:a="http://schemas.openxmlformats.org/drawingml/2006/main" xmlns:r="http://schemas.openxmlformats.org/officeDocument/2006/relationships" xmlns:p="http://schemas.openxmlformats.org/presentationml/2006/main">
   <p:cSld>
     <p:spTree>
@@ -9454,7 +10530,7 @@
 </p:sld>
 </file>
 
-<file path=ppt/slides/slide26.xml><?xml version="1.0" encoding="utf-8"?>
+<file path=ppt/slides/slide29.xml><?xml version="1.0" encoding="utf-8"?>
 <p:sld xmlns:a="http://schemas.openxmlformats.org/drawingml/2006/main" xmlns:r="http://schemas.openxmlformats.org/officeDocument/2006/relationships" xmlns:p="http://schemas.openxmlformats.org/presentationml/2006/main">
   <p:cSld>
     <p:spTree>
@@ -9780,250 +10856,6 @@
 </p:sld>
 </file>
 
-<file path=ppt/slides/slide27.xml><?xml version="1.0" encoding="utf-8"?>
-<p:sld xmlns:a="http://schemas.openxmlformats.org/drawingml/2006/main" xmlns:r="http://schemas.openxmlformats.org/officeDocument/2006/relationships" xmlns:p="http://schemas.openxmlformats.org/presentationml/2006/main">
-  <p:cSld>
-    <p:spTree>
-      <p:nvGrpSpPr>
-        <p:cNvPr id="1" name=""/>
-        <p:cNvGrpSpPr/>
-        <p:nvPr/>
-      </p:nvGrpSpPr>
-      <p:grpSpPr>
-        <a:xfrm>
-          <a:off x="0" y="0"/>
-          <a:ext cx="0" cy="0"/>
-          <a:chOff x="0" y="0"/>
-          <a:chExt cx="0" cy="0"/>
-        </a:xfrm>
-      </p:grpSpPr>
-      <p:sp>
-        <p:nvSpPr>
-          <p:cNvPr id="2" name="Title 1"/>
-          <p:cNvSpPr>
-            <a:spLocks noGrp="1"/>
-          </p:cNvSpPr>
-          <p:nvPr>
-            <p:ph type="title"/>
-          </p:nvPr>
-        </p:nvSpPr>
-        <p:spPr/>
-        <p:txBody>
-          <a:bodyPr/>
-          <a:lstStyle/>
-          <a:p>
-            <a:r>
-              <a:rPr lang="en-GB" dirty="0" smtClean="0"/>
-              <a:t>References</a:t>
-            </a:r>
-            <a:endParaRPr lang="en-GB" dirty="0"/>
-          </a:p>
-        </p:txBody>
-      </p:sp>
-      <p:sp>
-        <p:nvSpPr>
-          <p:cNvPr id="3" name="Content Placeholder 2"/>
-          <p:cNvSpPr>
-            <a:spLocks noGrp="1"/>
-          </p:cNvSpPr>
-          <p:nvPr>
-            <p:ph idx="1"/>
-          </p:nvPr>
-        </p:nvSpPr>
-        <p:spPr/>
-        <p:txBody>
-          <a:bodyPr>
-            <a:normAutofit/>
-          </a:bodyPr>
-          <a:lstStyle/>
-          <a:p>
-            <a:r>
-              <a:rPr lang="en-GB" sz="1100" dirty="0" smtClean="0"/>
-              <a:t>[1] “Introduction </a:t>
-            </a:r>
-            <a:r>
-              <a:rPr lang="en-GB" sz="1100" dirty="0"/>
-              <a:t>to Model/View/</a:t>
-            </a:r>
-            <a:r>
-              <a:rPr lang="en-GB" sz="1100" dirty="0" err="1"/>
-              <a:t>ViewModel</a:t>
-            </a:r>
-            <a:r>
-              <a:rPr lang="en-GB" sz="1100" dirty="0"/>
-              <a:t> pattern for building WPF </a:t>
-            </a:r>
-            <a:r>
-              <a:rPr lang="en-GB" sz="1100" dirty="0" smtClean="0"/>
-              <a:t>apps” – John </a:t>
-            </a:r>
-            <a:r>
-              <a:rPr lang="en-GB" sz="1100" dirty="0" err="1" smtClean="0"/>
-              <a:t>Gossman</a:t>
-            </a:r>
-            <a:r>
-              <a:rPr lang="en-GB" sz="1100" dirty="0" smtClean="0"/>
-              <a:t>, </a:t>
-            </a:r>
-            <a:r>
-              <a:rPr lang="en-GB" sz="1100" dirty="0" smtClean="0">
-                <a:hlinkClick r:id="rId2"/>
-              </a:rPr>
-              <a:t>https://blogs.msdn.microsoft.com/johngossman/2005/10/08/introduction-to-modelviewviewmodel-pattern-for-building-wpf-apps/</a:t>
-            </a:r>
-            <a:endParaRPr lang="en-GB" sz="1100" dirty="0" smtClean="0"/>
-          </a:p>
-          <a:p>
-            <a:r>
-              <a:rPr lang="en-GB" sz="1100" dirty="0" smtClean="0"/>
-              <a:t>[2] Flux – In depth overview, including video talk, </a:t>
-            </a:r>
-            <a:r>
-              <a:rPr lang="en-GB" sz="1100" dirty="0" smtClean="0">
-                <a:hlinkClick r:id="rId3"/>
-              </a:rPr>
-              <a:t>https://facebook.github.io/flux/docs/in-depth-overview.html</a:t>
-            </a:r>
-            <a:endParaRPr lang="en-GB" sz="1100" dirty="0" smtClean="0"/>
-          </a:p>
-          <a:p>
-            <a:r>
-              <a:rPr lang="en-GB" sz="1100" dirty="0" smtClean="0"/>
-              <a:t>[3] </a:t>
-            </a:r>
-            <a:r>
-              <a:rPr lang="en-GB" sz="1100" dirty="0"/>
-              <a:t>Steve </a:t>
-            </a:r>
-            <a:r>
-              <a:rPr lang="en-GB" sz="1100" dirty="0" err="1"/>
-              <a:t>Burbeck</a:t>
-            </a:r>
-            <a:r>
-              <a:rPr lang="en-GB" sz="1100" dirty="0"/>
-              <a:t> (1987, updated 1992). “Applications Programming in Smalltalk-80: How to use Model-</a:t>
-            </a:r>
-            <a:r>
-              <a:rPr lang="en-GB" sz="1100" dirty="0" err="1"/>
-              <a:t>ViewController</a:t>
-            </a:r>
-            <a:r>
-              <a:rPr lang="en-GB" sz="1100" dirty="0"/>
-              <a:t> (MVC). Available at </a:t>
-            </a:r>
-            <a:r>
-              <a:rPr lang="en-GB" sz="1100" dirty="0">
-                <a:hlinkClick r:id="rId4"/>
-              </a:rPr>
-              <a:t>http://www.dgp.toronto.edu/~dwigdor/teaching/csc2524/2012_F/papers/mvc.pdf</a:t>
-            </a:r>
-            <a:endParaRPr lang="en-GB" sz="1100" dirty="0"/>
-          </a:p>
-          <a:p>
-            <a:r>
-              <a:rPr lang="en-GB" sz="1100" dirty="0" smtClean="0"/>
-              <a:t>[4] </a:t>
-            </a:r>
-            <a:r>
-              <a:rPr lang="en-GB" sz="1100" dirty="0"/>
-              <a:t>MVP: Model-View-Presenter The </a:t>
-            </a:r>
-            <a:r>
-              <a:rPr lang="en-GB" sz="1100" dirty="0" err="1"/>
-              <a:t>Taligent</a:t>
-            </a:r>
-            <a:r>
-              <a:rPr lang="en-GB" sz="1100" dirty="0"/>
-              <a:t> Programming Model for C++ and Java Mike </a:t>
-            </a:r>
-            <a:r>
-              <a:rPr lang="en-GB" sz="1100" dirty="0" err="1"/>
-              <a:t>Potel</a:t>
-            </a:r>
-            <a:r>
-              <a:rPr lang="en-GB" sz="1100" dirty="0"/>
-              <a:t> </a:t>
-            </a:r>
-            <a:r>
-              <a:rPr lang="en-GB" sz="1100" dirty="0">
-                <a:hlinkClick r:id="rId5"/>
-              </a:rPr>
-              <a:t>http://www.wildcrest.com/Potel/Portfolio/mvp.pdf</a:t>
-            </a:r>
-            <a:endParaRPr lang="en-GB" sz="1100" dirty="0"/>
-          </a:p>
-          <a:p>
-            <a:r>
-              <a:rPr lang="en-GB" sz="1100" dirty="0" smtClean="0"/>
-              <a:t>[5] </a:t>
-            </a:r>
-            <a:r>
-              <a:rPr lang="en-GB" sz="1100" dirty="0">
-                <a:hlinkClick r:id="rId6"/>
-              </a:rPr>
-              <a:t>The DCI Architecture: A New Vision of Object-Oriented Programming</a:t>
-            </a:r>
-            <a:r>
-              <a:rPr lang="en-GB" sz="1100" dirty="0"/>
-              <a:t> –</a:t>
-            </a:r>
-            <a:r>
-              <a:rPr lang="en-GB" sz="1100" dirty="0" err="1"/>
-              <a:t>Trygve</a:t>
-            </a:r>
-            <a:r>
-              <a:rPr lang="en-GB" sz="1100" dirty="0"/>
-              <a:t> </a:t>
-            </a:r>
-            <a:r>
-              <a:rPr lang="en-GB" sz="1100" dirty="0" err="1"/>
-              <a:t>Reenskaug</a:t>
-            </a:r>
-            <a:r>
-              <a:rPr lang="en-GB" sz="1100" dirty="0"/>
-              <a:t> and James </a:t>
-            </a:r>
-            <a:r>
-              <a:rPr lang="en-GB" sz="1100" dirty="0" err="1"/>
-              <a:t>Coplien</a:t>
-            </a:r>
-            <a:r>
-              <a:rPr lang="en-GB" sz="1100" dirty="0"/>
-              <a:t> – March 20, 2009.</a:t>
-            </a:r>
-          </a:p>
-          <a:p>
-            <a:r>
-              <a:rPr lang="en-GB" sz="1100" dirty="0" smtClean="0"/>
-              <a:t>[6] MVP Introduction, http://developer.mantidproject.org/MVPTutorial/Introduction.html</a:t>
-            </a:r>
-            <a:endParaRPr lang="en-GB" sz="1100" dirty="0"/>
-          </a:p>
-          <a:p>
-            <a:endParaRPr lang="en-GB" sz="1100" dirty="0"/>
-          </a:p>
-        </p:txBody>
-      </p:sp>
-    </p:spTree>
-    <p:extLst>
-      <p:ext uri="{BB962C8B-B14F-4D97-AF65-F5344CB8AC3E}">
-        <p14:creationId xmlns:p14="http://schemas.microsoft.com/office/powerpoint/2010/main" val="193086094"/>
-      </p:ext>
-    </p:extLst>
-  </p:cSld>
-  <p:clrMapOvr>
-    <a:masterClrMapping/>
-  </p:clrMapOvr>
-  <p:timing>
-    <p:tnLst>
-      <p:par>
-        <p:cTn id="1" dur="indefinite" restart="never" nodeType="tmRoot"/>
-      </p:par>
-    </p:tnLst>
-  </p:timing>
-</p:sld>
-</file>
-
 <file path=ppt/slides/slide3.xml><?xml version="1.0" encoding="utf-8"?>
 <p:sld xmlns:a="http://schemas.openxmlformats.org/drawingml/2006/main" xmlns:r="http://schemas.openxmlformats.org/officeDocument/2006/relationships" xmlns:p="http://schemas.openxmlformats.org/presentationml/2006/main">
   <p:cSld>
@@ -10516,6 +11348,250 @@
             </p:seq>
           </p:childTnLst>
         </p:cTn>
+      </p:par>
+    </p:tnLst>
+  </p:timing>
+</p:sld>
+</file>
+
+<file path=ppt/slides/slide30.xml><?xml version="1.0" encoding="utf-8"?>
+<p:sld xmlns:a="http://schemas.openxmlformats.org/drawingml/2006/main" xmlns:r="http://schemas.openxmlformats.org/officeDocument/2006/relationships" xmlns:p="http://schemas.openxmlformats.org/presentationml/2006/main">
+  <p:cSld>
+    <p:spTree>
+      <p:nvGrpSpPr>
+        <p:cNvPr id="1" name=""/>
+        <p:cNvGrpSpPr/>
+        <p:nvPr/>
+      </p:nvGrpSpPr>
+      <p:grpSpPr>
+        <a:xfrm>
+          <a:off x="0" y="0"/>
+          <a:ext cx="0" cy="0"/>
+          <a:chOff x="0" y="0"/>
+          <a:chExt cx="0" cy="0"/>
+        </a:xfrm>
+      </p:grpSpPr>
+      <p:sp>
+        <p:nvSpPr>
+          <p:cNvPr id="2" name="Title 1"/>
+          <p:cNvSpPr>
+            <a:spLocks noGrp="1"/>
+          </p:cNvSpPr>
+          <p:nvPr>
+            <p:ph type="title"/>
+          </p:nvPr>
+        </p:nvSpPr>
+        <p:spPr/>
+        <p:txBody>
+          <a:bodyPr/>
+          <a:lstStyle/>
+          <a:p>
+            <a:r>
+              <a:rPr lang="en-GB" dirty="0" smtClean="0"/>
+              <a:t>References</a:t>
+            </a:r>
+            <a:endParaRPr lang="en-GB" dirty="0"/>
+          </a:p>
+        </p:txBody>
+      </p:sp>
+      <p:sp>
+        <p:nvSpPr>
+          <p:cNvPr id="3" name="Content Placeholder 2"/>
+          <p:cNvSpPr>
+            <a:spLocks noGrp="1"/>
+          </p:cNvSpPr>
+          <p:nvPr>
+            <p:ph idx="1"/>
+          </p:nvPr>
+        </p:nvSpPr>
+        <p:spPr/>
+        <p:txBody>
+          <a:bodyPr>
+            <a:normAutofit/>
+          </a:bodyPr>
+          <a:lstStyle/>
+          <a:p>
+            <a:r>
+              <a:rPr lang="en-GB" sz="1100" dirty="0" smtClean="0"/>
+              <a:t>[1] “Introduction </a:t>
+            </a:r>
+            <a:r>
+              <a:rPr lang="en-GB" sz="1100" dirty="0"/>
+              <a:t>to Model/View/</a:t>
+            </a:r>
+            <a:r>
+              <a:rPr lang="en-GB" sz="1100" dirty="0" err="1"/>
+              <a:t>ViewModel</a:t>
+            </a:r>
+            <a:r>
+              <a:rPr lang="en-GB" sz="1100" dirty="0"/>
+              <a:t> pattern for building WPF </a:t>
+            </a:r>
+            <a:r>
+              <a:rPr lang="en-GB" sz="1100" dirty="0" smtClean="0"/>
+              <a:t>apps” – John </a:t>
+            </a:r>
+            <a:r>
+              <a:rPr lang="en-GB" sz="1100" dirty="0" err="1" smtClean="0"/>
+              <a:t>Gossman</a:t>
+            </a:r>
+            <a:r>
+              <a:rPr lang="en-GB" sz="1100" dirty="0" smtClean="0"/>
+              <a:t>, </a:t>
+            </a:r>
+            <a:r>
+              <a:rPr lang="en-GB" sz="1100" dirty="0" smtClean="0">
+                <a:hlinkClick r:id="rId2"/>
+              </a:rPr>
+              <a:t>https://blogs.msdn.microsoft.com/johngossman/2005/10/08/introduction-to-modelviewviewmodel-pattern-for-building-wpf-apps/</a:t>
+            </a:r>
+            <a:endParaRPr lang="en-GB" sz="1100" dirty="0" smtClean="0"/>
+          </a:p>
+          <a:p>
+            <a:r>
+              <a:rPr lang="en-GB" sz="1100" dirty="0" smtClean="0"/>
+              <a:t>[2] Flux – In depth overview, including video talk, </a:t>
+            </a:r>
+            <a:r>
+              <a:rPr lang="en-GB" sz="1100" dirty="0" smtClean="0">
+                <a:hlinkClick r:id="rId3"/>
+              </a:rPr>
+              <a:t>https://facebook.github.io/flux/docs/in-depth-overview.html</a:t>
+            </a:r>
+            <a:endParaRPr lang="en-GB" sz="1100" dirty="0" smtClean="0"/>
+          </a:p>
+          <a:p>
+            <a:r>
+              <a:rPr lang="en-GB" sz="1100" dirty="0" smtClean="0"/>
+              <a:t>[3] </a:t>
+            </a:r>
+            <a:r>
+              <a:rPr lang="en-GB" sz="1100" dirty="0"/>
+              <a:t>Steve </a:t>
+            </a:r>
+            <a:r>
+              <a:rPr lang="en-GB" sz="1100" dirty="0" err="1"/>
+              <a:t>Burbeck</a:t>
+            </a:r>
+            <a:r>
+              <a:rPr lang="en-GB" sz="1100" dirty="0"/>
+              <a:t> (1987, updated 1992). “Applications Programming in Smalltalk-80: How to use Model-</a:t>
+            </a:r>
+            <a:r>
+              <a:rPr lang="en-GB" sz="1100" dirty="0" err="1"/>
+              <a:t>ViewController</a:t>
+            </a:r>
+            <a:r>
+              <a:rPr lang="en-GB" sz="1100" dirty="0"/>
+              <a:t> (MVC). Available at </a:t>
+            </a:r>
+            <a:r>
+              <a:rPr lang="en-GB" sz="1100" dirty="0">
+                <a:hlinkClick r:id="rId4"/>
+              </a:rPr>
+              <a:t>http://www.dgp.toronto.edu/~dwigdor/teaching/csc2524/2012_F/papers/mvc.pdf</a:t>
+            </a:r>
+            <a:endParaRPr lang="en-GB" sz="1100" dirty="0"/>
+          </a:p>
+          <a:p>
+            <a:r>
+              <a:rPr lang="en-GB" sz="1100" dirty="0" smtClean="0"/>
+              <a:t>[4] </a:t>
+            </a:r>
+            <a:r>
+              <a:rPr lang="en-GB" sz="1100" dirty="0"/>
+              <a:t>MVP: Model-View-Presenter The </a:t>
+            </a:r>
+            <a:r>
+              <a:rPr lang="en-GB" sz="1100" dirty="0" err="1"/>
+              <a:t>Taligent</a:t>
+            </a:r>
+            <a:r>
+              <a:rPr lang="en-GB" sz="1100" dirty="0"/>
+              <a:t> Programming Model for C++ and Java Mike </a:t>
+            </a:r>
+            <a:r>
+              <a:rPr lang="en-GB" sz="1100" dirty="0" err="1"/>
+              <a:t>Potel</a:t>
+            </a:r>
+            <a:r>
+              <a:rPr lang="en-GB" sz="1100" dirty="0"/>
+              <a:t> </a:t>
+            </a:r>
+            <a:r>
+              <a:rPr lang="en-GB" sz="1100" dirty="0">
+                <a:hlinkClick r:id="rId5"/>
+              </a:rPr>
+              <a:t>http://www.wildcrest.com/Potel/Portfolio/mvp.pdf</a:t>
+            </a:r>
+            <a:endParaRPr lang="en-GB" sz="1100" dirty="0"/>
+          </a:p>
+          <a:p>
+            <a:r>
+              <a:rPr lang="en-GB" sz="1100" dirty="0" smtClean="0"/>
+              <a:t>[5] </a:t>
+            </a:r>
+            <a:r>
+              <a:rPr lang="en-GB" sz="1100" dirty="0">
+                <a:hlinkClick r:id="rId6"/>
+              </a:rPr>
+              <a:t>The DCI Architecture: A New Vision of Object-Oriented Programming</a:t>
+            </a:r>
+            <a:r>
+              <a:rPr lang="en-GB" sz="1100" dirty="0"/>
+              <a:t> –</a:t>
+            </a:r>
+            <a:r>
+              <a:rPr lang="en-GB" sz="1100" dirty="0" err="1"/>
+              <a:t>Trygve</a:t>
+            </a:r>
+            <a:r>
+              <a:rPr lang="en-GB" sz="1100" dirty="0"/>
+              <a:t> </a:t>
+            </a:r>
+            <a:r>
+              <a:rPr lang="en-GB" sz="1100" dirty="0" err="1"/>
+              <a:t>Reenskaug</a:t>
+            </a:r>
+            <a:r>
+              <a:rPr lang="en-GB" sz="1100" dirty="0"/>
+              <a:t> and James </a:t>
+            </a:r>
+            <a:r>
+              <a:rPr lang="en-GB" sz="1100" dirty="0" err="1"/>
+              <a:t>Coplien</a:t>
+            </a:r>
+            <a:r>
+              <a:rPr lang="en-GB" sz="1100" dirty="0"/>
+              <a:t> – March 20, 2009.</a:t>
+            </a:r>
+          </a:p>
+          <a:p>
+            <a:r>
+              <a:rPr lang="en-GB" sz="1100" dirty="0" smtClean="0"/>
+              <a:t>[6] MVP Introduction, http://developer.mantidproject.org/MVPTutorial/Introduction.html</a:t>
+            </a:r>
+            <a:endParaRPr lang="en-GB" sz="1100" dirty="0"/>
+          </a:p>
+          <a:p>
+            <a:endParaRPr lang="en-GB" sz="1100" dirty="0"/>
+          </a:p>
+        </p:txBody>
+      </p:sp>
+    </p:spTree>
+    <p:extLst>
+      <p:ext uri="{BB962C8B-B14F-4D97-AF65-F5344CB8AC3E}">
+        <p14:creationId xmlns:p14="http://schemas.microsoft.com/office/powerpoint/2010/main" val="193086094"/>
+      </p:ext>
+    </p:extLst>
+  </p:cSld>
+  <p:clrMapOvr>
+    <a:masterClrMapping/>
+  </p:clrMapOvr>
+  <p:timing>
+    <p:tnLst>
+      <p:par>
+        <p:cTn id="1" dur="indefinite" restart="never" nodeType="tmRoot"/>
       </p:par>
     </p:tnLst>
   </p:timing>
@@ -11901,7 +12977,15 @@
             </a:pPr>
             <a:r>
               <a:rPr lang="en-GB" dirty="0" smtClean="0"/>
-              <a:t>Usually a problem in C++. You DON’T NEED to do it in Python!</a:t>
+              <a:t>Usually a problem in C</a:t>
+            </a:r>
+            <a:r>
+              <a:rPr lang="en-GB" dirty="0" smtClean="0"/>
+              <a:t>++ (Qt4 only?). </a:t>
+            </a:r>
+            <a:r>
+              <a:rPr lang="en-GB" dirty="0" smtClean="0"/>
+              <a:t>You DON’T NEED to do it in Python!</a:t>
             </a:r>
           </a:p>
           <a:p>

--- a/MVP Tutorial.pptx
+++ b/MVP Tutorial.pptx
@@ -27,8 +27,8 @@
     <p:sldId id="268" r:id="rId15"/>
     <p:sldId id="272" r:id="rId16"/>
     <p:sldId id="274" r:id="rId17"/>
-    <p:sldId id="275" r:id="rId18"/>
-    <p:sldId id="280" r:id="rId19"/>
+    <p:sldId id="280" r:id="rId18"/>
+    <p:sldId id="275" r:id="rId19"/>
     <p:sldId id="285" r:id="rId20"/>
     <p:sldId id="286" r:id="rId21"/>
     <p:sldId id="265" r:id="rId22"/>
@@ -229,7 +229,7 @@
           <a:p>
             <a:fld id="{CC78BBF4-583E-4A81-AA9C-A80F4BD171EC}" type="datetimeFigureOut">
               <a:rPr lang="en-GB" smtClean="0"/>
-              <a:t>29/03/2019</a:t>
+              <a:t>01/04/2019</a:t>
             </a:fld>
             <a:endParaRPr lang="en-GB"/>
           </a:p>
@@ -399,7 +399,7 @@
           <a:p>
             <a:fld id="{3AA4A332-F4D2-4835-A80C-16E80FC3EA4D}" type="datetimeFigureOut">
               <a:rPr lang="en-GB" smtClean="0"/>
-              <a:t>29/03/2019</a:t>
+              <a:t>01/04/2019</a:t>
             </a:fld>
             <a:endParaRPr lang="en-GB"/>
           </a:p>
@@ -803,7 +803,7 @@
           <a:p>
             <a:fld id="{94D1129C-ADC3-4014-BDCF-8CD7C1A22914}" type="datetimeFigureOut">
               <a:rPr lang="en-GB" smtClean="0"/>
-              <a:t>29/03/2019</a:t>
+              <a:t>01/04/2019</a:t>
             </a:fld>
             <a:endParaRPr lang="en-GB"/>
           </a:p>
@@ -973,7 +973,7 @@
           <a:p>
             <a:fld id="{94D1129C-ADC3-4014-BDCF-8CD7C1A22914}" type="datetimeFigureOut">
               <a:rPr lang="en-GB" smtClean="0"/>
-              <a:t>29/03/2019</a:t>
+              <a:t>01/04/2019</a:t>
             </a:fld>
             <a:endParaRPr lang="en-GB"/>
           </a:p>
@@ -1153,7 +1153,7 @@
           <a:p>
             <a:fld id="{94D1129C-ADC3-4014-BDCF-8CD7C1A22914}" type="datetimeFigureOut">
               <a:rPr lang="en-GB" smtClean="0"/>
-              <a:t>29/03/2019</a:t>
+              <a:t>01/04/2019</a:t>
             </a:fld>
             <a:endParaRPr lang="en-GB"/>
           </a:p>
@@ -1323,7 +1323,7 @@
           <a:p>
             <a:fld id="{94D1129C-ADC3-4014-BDCF-8CD7C1A22914}" type="datetimeFigureOut">
               <a:rPr lang="en-GB" smtClean="0"/>
-              <a:t>29/03/2019</a:t>
+              <a:t>01/04/2019</a:t>
             </a:fld>
             <a:endParaRPr lang="en-GB"/>
           </a:p>
@@ -1569,7 +1569,7 @@
           <a:p>
             <a:fld id="{94D1129C-ADC3-4014-BDCF-8CD7C1A22914}" type="datetimeFigureOut">
               <a:rPr lang="en-GB" smtClean="0"/>
-              <a:t>29/03/2019</a:t>
+              <a:t>01/04/2019</a:t>
             </a:fld>
             <a:endParaRPr lang="en-GB"/>
           </a:p>
@@ -1801,7 +1801,7 @@
           <a:p>
             <a:fld id="{94D1129C-ADC3-4014-BDCF-8CD7C1A22914}" type="datetimeFigureOut">
               <a:rPr lang="en-GB" smtClean="0"/>
-              <a:t>29/03/2019</a:t>
+              <a:t>01/04/2019</a:t>
             </a:fld>
             <a:endParaRPr lang="en-GB"/>
           </a:p>
@@ -2168,7 +2168,7 @@
           <a:p>
             <a:fld id="{94D1129C-ADC3-4014-BDCF-8CD7C1A22914}" type="datetimeFigureOut">
               <a:rPr lang="en-GB" smtClean="0"/>
-              <a:t>29/03/2019</a:t>
+              <a:t>01/04/2019</a:t>
             </a:fld>
             <a:endParaRPr lang="en-GB"/>
           </a:p>
@@ -2286,7 +2286,7 @@
           <a:p>
             <a:fld id="{94D1129C-ADC3-4014-BDCF-8CD7C1A22914}" type="datetimeFigureOut">
               <a:rPr lang="en-GB" smtClean="0"/>
-              <a:t>29/03/2019</a:t>
+              <a:t>01/04/2019</a:t>
             </a:fld>
             <a:endParaRPr lang="en-GB"/>
           </a:p>
@@ -2381,7 +2381,7 @@
           <a:p>
             <a:fld id="{94D1129C-ADC3-4014-BDCF-8CD7C1A22914}" type="datetimeFigureOut">
               <a:rPr lang="en-GB" smtClean="0"/>
-              <a:t>29/03/2019</a:t>
+              <a:t>01/04/2019</a:t>
             </a:fld>
             <a:endParaRPr lang="en-GB"/>
           </a:p>
@@ -2658,7 +2658,7 @@
           <a:p>
             <a:fld id="{94D1129C-ADC3-4014-BDCF-8CD7C1A22914}" type="datetimeFigureOut">
               <a:rPr lang="en-GB" smtClean="0"/>
-              <a:t>29/03/2019</a:t>
+              <a:t>01/04/2019</a:t>
             </a:fld>
             <a:endParaRPr lang="en-GB"/>
           </a:p>
@@ -2911,7 +2911,7 @@
           <a:p>
             <a:fld id="{94D1129C-ADC3-4014-BDCF-8CD7C1A22914}" type="datetimeFigureOut">
               <a:rPr lang="en-GB" smtClean="0"/>
-              <a:t>29/03/2019</a:t>
+              <a:t>01/04/2019</a:t>
             </a:fld>
             <a:endParaRPr lang="en-GB"/>
           </a:p>
@@ -3124,7 +3124,7 @@
           <a:p>
             <a:fld id="{94D1129C-ADC3-4014-BDCF-8CD7C1A22914}" type="datetimeFigureOut">
               <a:rPr lang="en-GB" smtClean="0"/>
-              <a:t>29/03/2019</a:t>
+              <a:t>01/04/2019</a:t>
             </a:fld>
             <a:endParaRPr lang="en-GB"/>
           </a:p>
@@ -3665,7 +3665,6 @@
               <a:rPr lang="en-GB" dirty="0" smtClean="0"/>
               <a:t>If you don’t import Framework in the presenter, tests are very fast</a:t>
             </a:r>
-            <a:endParaRPr lang="en-GB" dirty="0" smtClean="0"/>
           </a:p>
         </p:txBody>
       </p:sp>
@@ -3679,11 +3678,11 @@
   <p:clrMapOvr>
     <a:masterClrMapping/>
   </p:clrMapOvr>
-  <mc:AlternateContent xmlns:mc="http://schemas.openxmlformats.org/markup-compatibility/2006">
-    <mc:Choice xmlns:p14="http://schemas.microsoft.com/office/powerpoint/2010/main" Requires="p14">
+  <mc:AlternateContent xmlns:mc="http://schemas.openxmlformats.org/markup-compatibility/2006" xmlns:p14="http://schemas.microsoft.com/office/powerpoint/2010/main">
+    <mc:Choice Requires="p14">
       <p:transition spd="slow" p14:dur="2000"/>
     </mc:Choice>
-    <mc:Fallback>
+    <mc:Fallback xmlns="">
       <p:transition spd="slow"/>
     </mc:Fallback>
   </mc:AlternateContent>
@@ -3994,13 +3993,13 @@
             </p:spPr>
             <p:style>
               <a:lnRef idx="1">
-                <a:schemeClr val="accent2"/>
+                <a:schemeClr val="accent6"/>
               </a:lnRef>
               <a:fillRef idx="0">
-                <a:schemeClr val="accent2"/>
+                <a:schemeClr val="accent6"/>
               </a:fillRef>
               <a:effectRef idx="0">
-                <a:schemeClr val="accent2"/>
+                <a:schemeClr val="accent6"/>
               </a:effectRef>
               <a:fontRef idx="minor">
                 <a:schemeClr val="tx1"/>
@@ -4586,7 +4585,7 @@
 </file>
 
 <file path=ppt/slides/slide14.xml><?xml version="1.0" encoding="utf-8"?>
-<p:sld xmlns:a="http://schemas.openxmlformats.org/drawingml/2006/main" xmlns:r="http://schemas.openxmlformats.org/officeDocument/2006/relationships" xmlns:p="http://schemas.openxmlformats.org/presentationml/2006/main">
+<p:sld xmlns:a="http://schemas.openxmlformats.org/drawingml/2006/main" xmlns:r="http://schemas.openxmlformats.org/officeDocument/2006/relationships" xmlns:p="http://schemas.openxmlformats.org/presentationml/2006/main" show="0">
   <p:cSld>
     <p:spTree>
       <p:nvGrpSpPr>
@@ -4678,6 +4677,14 @@
   <p:clrMapOvr>
     <a:masterClrMapping/>
   </p:clrMapOvr>
+  <mc:AlternateContent xmlns:mc="http://schemas.openxmlformats.org/markup-compatibility/2006">
+    <mc:Choice xmlns:p14="http://schemas.microsoft.com/office/powerpoint/2010/main" Requires="p14">
+      <p:transition spd="slow" p14:dur="2000"/>
+    </mc:Choice>
+    <mc:Fallback>
+      <p:transition spd="slow"/>
+    </mc:Fallback>
+  </mc:AlternateContent>
   <p:timing>
     <p:tnLst>
       <p:par>
@@ -4811,11 +4818,11 @@
   <p:clrMapOvr>
     <a:masterClrMapping/>
   </p:clrMapOvr>
-  <mc:AlternateContent xmlns:mc="http://schemas.openxmlformats.org/markup-compatibility/2006">
-    <mc:Choice xmlns:p14="http://schemas.microsoft.com/office/powerpoint/2010/main" Requires="p14">
+  <mc:AlternateContent xmlns:mc="http://schemas.openxmlformats.org/markup-compatibility/2006" xmlns:p14="http://schemas.microsoft.com/office/powerpoint/2010/main">
+    <mc:Choice Requires="p14">
       <p:transition spd="slow" p14:dur="2000"/>
     </mc:Choice>
-    <mc:Fallback>
+    <mc:Fallback xmlns="">
       <p:transition spd="slow"/>
     </mc:Fallback>
   </mc:AlternateContent>
@@ -5250,7 +5257,9 @@
         </p:nvSpPr>
         <p:spPr/>
         <p:txBody>
-          <a:bodyPr/>
+          <a:bodyPr>
+            <a:normAutofit lnSpcReduction="10000"/>
+          </a:bodyPr>
           <a:lstStyle/>
           <a:p>
             <a:r>
@@ -5342,7 +5351,18 @@
             </a:r>
             <a:r>
               <a:rPr lang="en-GB" dirty="0" smtClean="0"/>
-              <a:t> objects in the application</a:t>
+              <a:t> objects in the </a:t>
+            </a:r>
+            <a:r>
+              <a:rPr lang="en-GB" dirty="0" smtClean="0"/>
+              <a:t>application</a:t>
+            </a:r>
+          </a:p>
+          <a:p>
+            <a:pPr lvl="1"/>
+            <a:r>
+              <a:rPr lang="en-GB" dirty="0" smtClean="0"/>
+              <a:t>Can check connections</a:t>
             </a:r>
             <a:endParaRPr lang="en-GB" dirty="0"/>
           </a:p>
@@ -5730,6 +5750,37 @@
                                   </p:childTnLst>
                                 </p:cTn>
                               </p:par>
+                              <p:par>
+                                <p:cTn id="29" presetID="1" presetClass="entr" presetSubtype="0" fill="hold" grpId="0" nodeType="withEffect">
+                                  <p:stCondLst>
+                                    <p:cond delay="0"/>
+                                  </p:stCondLst>
+                                  <p:childTnLst>
+                                    <p:set>
+                                      <p:cBhvr>
+                                        <p:cTn id="30" dur="1" fill="hold">
+                                          <p:stCondLst>
+                                            <p:cond delay="0"/>
+                                          </p:stCondLst>
+                                        </p:cTn>
+                                        <p:tgtEl>
+                                          <p:spTgt spid="3">
+                                            <p:txEl>
+                                              <p:pRg st="10" end="10"/>
+                                            </p:txEl>
+                                          </p:spTgt>
+                                        </p:tgtEl>
+                                        <p:attrNameLst>
+                                          <p:attrName>style.visibility</p:attrName>
+                                        </p:attrNameLst>
+                                      </p:cBhvr>
+                                      <p:to>
+                                        <p:strVal val="visible"/>
+                                      </p:to>
+                                    </p:set>
+                                  </p:childTnLst>
+                                </p:cTn>
+                              </p:par>
                             </p:childTnLst>
                           </p:cTn>
                         </p:par>
@@ -5765,6 +5816,316 @@
 </file>
 
 <file path=ppt/slides/slide17.xml><?xml version="1.0" encoding="utf-8"?>
+<p:sld xmlns:a="http://schemas.openxmlformats.org/drawingml/2006/main" xmlns:r="http://schemas.openxmlformats.org/officeDocument/2006/relationships" xmlns:p="http://schemas.openxmlformats.org/presentationml/2006/main">
+  <p:cSld>
+    <p:spTree>
+      <p:nvGrpSpPr>
+        <p:cNvPr id="1" name=""/>
+        <p:cNvGrpSpPr/>
+        <p:nvPr/>
+      </p:nvGrpSpPr>
+      <p:grpSpPr>
+        <a:xfrm>
+          <a:off x="0" y="0"/>
+          <a:ext cx="0" cy="0"/>
+          <a:chOff x="0" y="0"/>
+          <a:chExt cx="0" cy="0"/>
+        </a:xfrm>
+      </p:grpSpPr>
+      <p:sp>
+        <p:nvSpPr>
+          <p:cNvPr id="2" name="Title 1"/>
+          <p:cNvSpPr>
+            <a:spLocks noGrp="1"/>
+          </p:cNvSpPr>
+          <p:nvPr>
+            <p:ph type="title"/>
+          </p:nvPr>
+        </p:nvSpPr>
+        <p:spPr/>
+        <p:txBody>
+          <a:bodyPr/>
+          <a:lstStyle/>
+          <a:p>
+            <a:r>
+              <a:rPr lang="en-GB" dirty="0" smtClean="0"/>
+              <a:t>Mocking a view</a:t>
+            </a:r>
+            <a:endParaRPr lang="en-GB" dirty="0"/>
+          </a:p>
+        </p:txBody>
+      </p:sp>
+      <p:sp>
+        <p:nvSpPr>
+          <p:cNvPr id="3" name="Content Placeholder 2"/>
+          <p:cNvSpPr>
+            <a:spLocks noGrp="1"/>
+          </p:cNvSpPr>
+          <p:nvPr>
+            <p:ph idx="1"/>
+          </p:nvPr>
+        </p:nvSpPr>
+        <p:spPr/>
+        <p:txBody>
+          <a:bodyPr/>
+          <a:lstStyle/>
+          <a:p>
+            <a:r>
+              <a:rPr lang="en-GB" dirty="0" smtClean="0"/>
+              <a:t>The view is passed as a parameter to the presenter</a:t>
+            </a:r>
+          </a:p>
+          <a:p>
+            <a:pPr lvl="1"/>
+            <a:r>
+              <a:rPr lang="en-GB" dirty="0" smtClean="0"/>
+              <a:t>This allows easy replacement without ever instantiating the </a:t>
+            </a:r>
+            <a:r>
+              <a:rPr lang="en-GB" dirty="0" err="1" smtClean="0"/>
+              <a:t>Qt</a:t>
+            </a:r>
+            <a:r>
+              <a:rPr lang="en-GB" dirty="0" smtClean="0"/>
+              <a:t> View</a:t>
+            </a:r>
+          </a:p>
+          <a:p>
+            <a:pPr lvl="1"/>
+            <a:r>
+              <a:rPr lang="en-GB" dirty="0" smtClean="0"/>
+              <a:t>The same can be done for the model</a:t>
+            </a:r>
+          </a:p>
+        </p:txBody>
+      </p:sp>
+      <p:pic>
+        <p:nvPicPr>
+          <p:cNvPr id="4" name="Picture 3"/>
+          <p:cNvPicPr>
+            <a:picLocks noChangeAspect="1"/>
+          </p:cNvPicPr>
+          <p:nvPr/>
+        </p:nvPicPr>
+        <p:blipFill>
+          <a:blip r:embed="rId2"/>
+          <a:stretch>
+            <a:fillRect/>
+          </a:stretch>
+        </p:blipFill>
+        <p:spPr>
+          <a:xfrm>
+            <a:off x="3381375" y="3444082"/>
+            <a:ext cx="5429250" cy="2714625"/>
+          </a:xfrm>
+          <a:prstGeom prst="rect">
+            <a:avLst/>
+          </a:prstGeom>
+        </p:spPr>
+      </p:pic>
+    </p:spTree>
+    <p:extLst>
+      <p:ext uri="{BB962C8B-B14F-4D97-AF65-F5344CB8AC3E}">
+        <p14:creationId xmlns:p14="http://schemas.microsoft.com/office/powerpoint/2010/main" val="4001675043"/>
+      </p:ext>
+    </p:extLst>
+  </p:cSld>
+  <p:clrMapOvr>
+    <a:masterClrMapping/>
+  </p:clrMapOvr>
+  <p:timing>
+    <p:tnLst>
+      <p:par>
+        <p:cTn id="1" dur="indefinite" restart="never" nodeType="tmRoot">
+          <p:childTnLst>
+            <p:seq concurrent="1" nextAc="seek">
+              <p:cTn id="2" dur="indefinite" nodeType="mainSeq">
+                <p:childTnLst>
+                  <p:par>
+                    <p:cTn id="3" fill="hold">
+                      <p:stCondLst>
+                        <p:cond delay="indefinite"/>
+                      </p:stCondLst>
+                      <p:childTnLst>
+                        <p:par>
+                          <p:cTn id="4" fill="hold">
+                            <p:stCondLst>
+                              <p:cond delay="0"/>
+                            </p:stCondLst>
+                            <p:childTnLst>
+                              <p:par>
+                                <p:cTn id="5" presetID="1" presetClass="entr" presetSubtype="0" fill="hold" grpId="0" nodeType="clickEffect">
+                                  <p:stCondLst>
+                                    <p:cond delay="0"/>
+                                  </p:stCondLst>
+                                  <p:childTnLst>
+                                    <p:set>
+                                      <p:cBhvr>
+                                        <p:cTn id="6" dur="1" fill="hold">
+                                          <p:stCondLst>
+                                            <p:cond delay="0"/>
+                                          </p:stCondLst>
+                                        </p:cTn>
+                                        <p:tgtEl>
+                                          <p:spTgt spid="3">
+                                            <p:txEl>
+                                              <p:pRg st="0" end="0"/>
+                                            </p:txEl>
+                                          </p:spTgt>
+                                        </p:tgtEl>
+                                        <p:attrNameLst>
+                                          <p:attrName>style.visibility</p:attrName>
+                                        </p:attrNameLst>
+                                      </p:cBhvr>
+                                      <p:to>
+                                        <p:strVal val="visible"/>
+                                      </p:to>
+                                    </p:set>
+                                  </p:childTnLst>
+                                </p:cTn>
+                              </p:par>
+                              <p:par>
+                                <p:cTn id="7" presetID="1" presetClass="entr" presetSubtype="0" fill="hold" grpId="0" nodeType="withEffect">
+                                  <p:stCondLst>
+                                    <p:cond delay="0"/>
+                                  </p:stCondLst>
+                                  <p:childTnLst>
+                                    <p:set>
+                                      <p:cBhvr>
+                                        <p:cTn id="8" dur="1" fill="hold">
+                                          <p:stCondLst>
+                                            <p:cond delay="0"/>
+                                          </p:stCondLst>
+                                        </p:cTn>
+                                        <p:tgtEl>
+                                          <p:spTgt spid="3">
+                                            <p:txEl>
+                                              <p:pRg st="1" end="1"/>
+                                            </p:txEl>
+                                          </p:spTgt>
+                                        </p:tgtEl>
+                                        <p:attrNameLst>
+                                          <p:attrName>style.visibility</p:attrName>
+                                        </p:attrNameLst>
+                                      </p:cBhvr>
+                                      <p:to>
+                                        <p:strVal val="visible"/>
+                                      </p:to>
+                                    </p:set>
+                                  </p:childTnLst>
+                                </p:cTn>
+                              </p:par>
+                              <p:par>
+                                <p:cTn id="9" presetID="1" presetClass="entr" presetSubtype="0" fill="hold" nodeType="withEffect">
+                                  <p:stCondLst>
+                                    <p:cond delay="0"/>
+                                  </p:stCondLst>
+                                  <p:childTnLst>
+                                    <p:set>
+                                      <p:cBhvr>
+                                        <p:cTn id="10" dur="1" fill="hold">
+                                          <p:stCondLst>
+                                            <p:cond delay="0"/>
+                                          </p:stCondLst>
+                                        </p:cTn>
+                                        <p:tgtEl>
+                                          <p:spTgt spid="4"/>
+                                        </p:tgtEl>
+                                        <p:attrNameLst>
+                                          <p:attrName>style.visibility</p:attrName>
+                                        </p:attrNameLst>
+                                      </p:cBhvr>
+                                      <p:to>
+                                        <p:strVal val="visible"/>
+                                      </p:to>
+                                    </p:set>
+                                  </p:childTnLst>
+                                </p:cTn>
+                              </p:par>
+                            </p:childTnLst>
+                          </p:cTn>
+                        </p:par>
+                      </p:childTnLst>
+                    </p:cTn>
+                  </p:par>
+                  <p:par>
+                    <p:cTn id="11" fill="hold">
+                      <p:stCondLst>
+                        <p:cond delay="indefinite"/>
+                      </p:stCondLst>
+                      <p:childTnLst>
+                        <p:par>
+                          <p:cTn id="12" fill="hold">
+                            <p:stCondLst>
+                              <p:cond delay="0"/>
+                            </p:stCondLst>
+                            <p:childTnLst>
+                              <p:par>
+                                <p:cTn id="13" presetID="1" presetClass="entr" presetSubtype="0" fill="hold" grpId="0" nodeType="clickEffect">
+                                  <p:stCondLst>
+                                    <p:cond delay="0"/>
+                                  </p:stCondLst>
+                                  <p:childTnLst>
+                                    <p:set>
+                                      <p:cBhvr>
+                                        <p:cTn id="14" dur="1" fill="hold">
+                                          <p:stCondLst>
+                                            <p:cond delay="0"/>
+                                          </p:stCondLst>
+                                        </p:cTn>
+                                        <p:tgtEl>
+                                          <p:spTgt spid="3">
+                                            <p:txEl>
+                                              <p:pRg st="2" end="2"/>
+                                            </p:txEl>
+                                          </p:spTgt>
+                                        </p:tgtEl>
+                                        <p:attrNameLst>
+                                          <p:attrName>style.visibility</p:attrName>
+                                        </p:attrNameLst>
+                                      </p:cBhvr>
+                                      <p:to>
+                                        <p:strVal val="visible"/>
+                                      </p:to>
+                                    </p:set>
+                                  </p:childTnLst>
+                                </p:cTn>
+                              </p:par>
+                            </p:childTnLst>
+                          </p:cTn>
+                        </p:par>
+                      </p:childTnLst>
+                    </p:cTn>
+                  </p:par>
+                </p:childTnLst>
+              </p:cTn>
+              <p:prevCondLst>
+                <p:cond evt="onPrev" delay="0">
+                  <p:tgtEl>
+                    <p:sldTgt/>
+                  </p:tgtEl>
+                </p:cond>
+              </p:prevCondLst>
+              <p:nextCondLst>
+                <p:cond evt="onNext" delay="0">
+                  <p:tgtEl>
+                    <p:sldTgt/>
+                  </p:tgtEl>
+                </p:cond>
+              </p:nextCondLst>
+            </p:seq>
+          </p:childTnLst>
+        </p:cTn>
+      </p:par>
+    </p:tnLst>
+    <p:bldLst>
+      <p:bldP spid="3" grpId="0" uiExpand="1" build="p"/>
+    </p:bldLst>
+  </p:timing>
+</p:sld>
+</file>
+
+<file path=ppt/slides/slide18.xml><?xml version="1.0" encoding="utf-8"?>
 <p:sld xmlns:a="http://schemas.openxmlformats.org/drawingml/2006/main" xmlns:r="http://schemas.openxmlformats.org/officeDocument/2006/relationships" xmlns:p="http://schemas.openxmlformats.org/presentationml/2006/main">
   <p:cSld>
     <p:spTree>
@@ -6117,316 +6478,6 @@
     </p:tnLst>
     <p:bldLst>
       <p:bldP spid="3" grpId="0" build="p"/>
-    </p:bldLst>
-  </p:timing>
-</p:sld>
-</file>
-
-<file path=ppt/slides/slide18.xml><?xml version="1.0" encoding="utf-8"?>
-<p:sld xmlns:a="http://schemas.openxmlformats.org/drawingml/2006/main" xmlns:r="http://schemas.openxmlformats.org/officeDocument/2006/relationships" xmlns:p="http://schemas.openxmlformats.org/presentationml/2006/main">
-  <p:cSld>
-    <p:spTree>
-      <p:nvGrpSpPr>
-        <p:cNvPr id="1" name=""/>
-        <p:cNvGrpSpPr/>
-        <p:nvPr/>
-      </p:nvGrpSpPr>
-      <p:grpSpPr>
-        <a:xfrm>
-          <a:off x="0" y="0"/>
-          <a:ext cx="0" cy="0"/>
-          <a:chOff x="0" y="0"/>
-          <a:chExt cx="0" cy="0"/>
-        </a:xfrm>
-      </p:grpSpPr>
-      <p:sp>
-        <p:nvSpPr>
-          <p:cNvPr id="2" name="Title 1"/>
-          <p:cNvSpPr>
-            <a:spLocks noGrp="1"/>
-          </p:cNvSpPr>
-          <p:nvPr>
-            <p:ph type="title"/>
-          </p:nvPr>
-        </p:nvSpPr>
-        <p:spPr/>
-        <p:txBody>
-          <a:bodyPr/>
-          <a:lstStyle/>
-          <a:p>
-            <a:r>
-              <a:rPr lang="en-GB" dirty="0" smtClean="0"/>
-              <a:t>Mocking a view</a:t>
-            </a:r>
-            <a:endParaRPr lang="en-GB" dirty="0"/>
-          </a:p>
-        </p:txBody>
-      </p:sp>
-      <p:sp>
-        <p:nvSpPr>
-          <p:cNvPr id="3" name="Content Placeholder 2"/>
-          <p:cNvSpPr>
-            <a:spLocks noGrp="1"/>
-          </p:cNvSpPr>
-          <p:nvPr>
-            <p:ph idx="1"/>
-          </p:nvPr>
-        </p:nvSpPr>
-        <p:spPr/>
-        <p:txBody>
-          <a:bodyPr/>
-          <a:lstStyle/>
-          <a:p>
-            <a:r>
-              <a:rPr lang="en-GB" dirty="0" smtClean="0"/>
-              <a:t>The view is passed as a parameter to the presenter</a:t>
-            </a:r>
-          </a:p>
-          <a:p>
-            <a:pPr lvl="1"/>
-            <a:r>
-              <a:rPr lang="en-GB" dirty="0" smtClean="0"/>
-              <a:t>This allows easy replacement without ever instantiating the </a:t>
-            </a:r>
-            <a:r>
-              <a:rPr lang="en-GB" dirty="0" err="1" smtClean="0"/>
-              <a:t>Qt</a:t>
-            </a:r>
-            <a:r>
-              <a:rPr lang="en-GB" dirty="0" smtClean="0"/>
-              <a:t> View</a:t>
-            </a:r>
-          </a:p>
-          <a:p>
-            <a:pPr lvl="1"/>
-            <a:r>
-              <a:rPr lang="en-GB" dirty="0" smtClean="0"/>
-              <a:t>The same can be done for the model</a:t>
-            </a:r>
-          </a:p>
-        </p:txBody>
-      </p:sp>
-      <p:pic>
-        <p:nvPicPr>
-          <p:cNvPr id="4" name="Picture 3"/>
-          <p:cNvPicPr>
-            <a:picLocks noChangeAspect="1"/>
-          </p:cNvPicPr>
-          <p:nvPr/>
-        </p:nvPicPr>
-        <p:blipFill>
-          <a:blip r:embed="rId2"/>
-          <a:stretch>
-            <a:fillRect/>
-          </a:stretch>
-        </p:blipFill>
-        <p:spPr>
-          <a:xfrm>
-            <a:off x="3381375" y="3444082"/>
-            <a:ext cx="5429250" cy="2714625"/>
-          </a:xfrm>
-          <a:prstGeom prst="rect">
-            <a:avLst/>
-          </a:prstGeom>
-        </p:spPr>
-      </p:pic>
-    </p:spTree>
-    <p:extLst>
-      <p:ext uri="{BB962C8B-B14F-4D97-AF65-F5344CB8AC3E}">
-        <p14:creationId xmlns:p14="http://schemas.microsoft.com/office/powerpoint/2010/main" val="4001675043"/>
-      </p:ext>
-    </p:extLst>
-  </p:cSld>
-  <p:clrMapOvr>
-    <a:masterClrMapping/>
-  </p:clrMapOvr>
-  <p:timing>
-    <p:tnLst>
-      <p:par>
-        <p:cTn id="1" dur="indefinite" restart="never" nodeType="tmRoot">
-          <p:childTnLst>
-            <p:seq concurrent="1" nextAc="seek">
-              <p:cTn id="2" dur="indefinite" nodeType="mainSeq">
-                <p:childTnLst>
-                  <p:par>
-                    <p:cTn id="3" fill="hold">
-                      <p:stCondLst>
-                        <p:cond delay="indefinite"/>
-                      </p:stCondLst>
-                      <p:childTnLst>
-                        <p:par>
-                          <p:cTn id="4" fill="hold">
-                            <p:stCondLst>
-                              <p:cond delay="0"/>
-                            </p:stCondLst>
-                            <p:childTnLst>
-                              <p:par>
-                                <p:cTn id="5" presetID="1" presetClass="entr" presetSubtype="0" fill="hold" grpId="0" nodeType="clickEffect">
-                                  <p:stCondLst>
-                                    <p:cond delay="0"/>
-                                  </p:stCondLst>
-                                  <p:childTnLst>
-                                    <p:set>
-                                      <p:cBhvr>
-                                        <p:cTn id="6" dur="1" fill="hold">
-                                          <p:stCondLst>
-                                            <p:cond delay="0"/>
-                                          </p:stCondLst>
-                                        </p:cTn>
-                                        <p:tgtEl>
-                                          <p:spTgt spid="3">
-                                            <p:txEl>
-                                              <p:pRg st="0" end="0"/>
-                                            </p:txEl>
-                                          </p:spTgt>
-                                        </p:tgtEl>
-                                        <p:attrNameLst>
-                                          <p:attrName>style.visibility</p:attrName>
-                                        </p:attrNameLst>
-                                      </p:cBhvr>
-                                      <p:to>
-                                        <p:strVal val="visible"/>
-                                      </p:to>
-                                    </p:set>
-                                  </p:childTnLst>
-                                </p:cTn>
-                              </p:par>
-                              <p:par>
-                                <p:cTn id="7" presetID="1" presetClass="entr" presetSubtype="0" fill="hold" grpId="0" nodeType="withEffect">
-                                  <p:stCondLst>
-                                    <p:cond delay="0"/>
-                                  </p:stCondLst>
-                                  <p:childTnLst>
-                                    <p:set>
-                                      <p:cBhvr>
-                                        <p:cTn id="8" dur="1" fill="hold">
-                                          <p:stCondLst>
-                                            <p:cond delay="0"/>
-                                          </p:stCondLst>
-                                        </p:cTn>
-                                        <p:tgtEl>
-                                          <p:spTgt spid="3">
-                                            <p:txEl>
-                                              <p:pRg st="1" end="1"/>
-                                            </p:txEl>
-                                          </p:spTgt>
-                                        </p:tgtEl>
-                                        <p:attrNameLst>
-                                          <p:attrName>style.visibility</p:attrName>
-                                        </p:attrNameLst>
-                                      </p:cBhvr>
-                                      <p:to>
-                                        <p:strVal val="visible"/>
-                                      </p:to>
-                                    </p:set>
-                                  </p:childTnLst>
-                                </p:cTn>
-                              </p:par>
-                              <p:par>
-                                <p:cTn id="9" presetID="1" presetClass="entr" presetSubtype="0" fill="hold" nodeType="withEffect">
-                                  <p:stCondLst>
-                                    <p:cond delay="0"/>
-                                  </p:stCondLst>
-                                  <p:childTnLst>
-                                    <p:set>
-                                      <p:cBhvr>
-                                        <p:cTn id="10" dur="1" fill="hold">
-                                          <p:stCondLst>
-                                            <p:cond delay="0"/>
-                                          </p:stCondLst>
-                                        </p:cTn>
-                                        <p:tgtEl>
-                                          <p:spTgt spid="4"/>
-                                        </p:tgtEl>
-                                        <p:attrNameLst>
-                                          <p:attrName>style.visibility</p:attrName>
-                                        </p:attrNameLst>
-                                      </p:cBhvr>
-                                      <p:to>
-                                        <p:strVal val="visible"/>
-                                      </p:to>
-                                    </p:set>
-                                  </p:childTnLst>
-                                </p:cTn>
-                              </p:par>
-                            </p:childTnLst>
-                          </p:cTn>
-                        </p:par>
-                      </p:childTnLst>
-                    </p:cTn>
-                  </p:par>
-                  <p:par>
-                    <p:cTn id="11" fill="hold">
-                      <p:stCondLst>
-                        <p:cond delay="indefinite"/>
-                      </p:stCondLst>
-                      <p:childTnLst>
-                        <p:par>
-                          <p:cTn id="12" fill="hold">
-                            <p:stCondLst>
-                              <p:cond delay="0"/>
-                            </p:stCondLst>
-                            <p:childTnLst>
-                              <p:par>
-                                <p:cTn id="13" presetID="1" presetClass="entr" presetSubtype="0" fill="hold" grpId="0" nodeType="clickEffect">
-                                  <p:stCondLst>
-                                    <p:cond delay="0"/>
-                                  </p:stCondLst>
-                                  <p:childTnLst>
-                                    <p:set>
-                                      <p:cBhvr>
-                                        <p:cTn id="14" dur="1" fill="hold">
-                                          <p:stCondLst>
-                                            <p:cond delay="0"/>
-                                          </p:stCondLst>
-                                        </p:cTn>
-                                        <p:tgtEl>
-                                          <p:spTgt spid="3">
-                                            <p:txEl>
-                                              <p:pRg st="2" end="2"/>
-                                            </p:txEl>
-                                          </p:spTgt>
-                                        </p:tgtEl>
-                                        <p:attrNameLst>
-                                          <p:attrName>style.visibility</p:attrName>
-                                        </p:attrNameLst>
-                                      </p:cBhvr>
-                                      <p:to>
-                                        <p:strVal val="visible"/>
-                                      </p:to>
-                                    </p:set>
-                                  </p:childTnLst>
-                                </p:cTn>
-                              </p:par>
-                            </p:childTnLst>
-                          </p:cTn>
-                        </p:par>
-                      </p:childTnLst>
-                    </p:cTn>
-                  </p:par>
-                </p:childTnLst>
-              </p:cTn>
-              <p:prevCondLst>
-                <p:cond evt="onPrev" delay="0">
-                  <p:tgtEl>
-                    <p:sldTgt/>
-                  </p:tgtEl>
-                </p:cond>
-              </p:prevCondLst>
-              <p:nextCondLst>
-                <p:cond evt="onNext" delay="0">
-                  <p:tgtEl>
-                    <p:sldTgt/>
-                  </p:tgtEl>
-                </p:cond>
-              </p:nextCondLst>
-            </p:seq>
-          </p:childTnLst>
-        </p:cTn>
-      </p:par>
-    </p:tnLst>
-    <p:bldLst>
-      <p:bldP spid="3" grpId="0" uiExpand="1" build="p"/>
     </p:bldLst>
   </p:timing>
 </p:sld>
@@ -7536,7 +7587,7 @@
       </p:pic>
       <p:pic>
         <p:nvPicPr>
-          <p:cNvPr id="6" name="Picture 5"/>
+          <p:cNvPr id="5" name="Picture 4"/>
           <p:cNvPicPr>
             <a:picLocks noChangeAspect="1"/>
           </p:cNvPicPr>
@@ -7550,8 +7601,8 @@
         </p:blipFill>
         <p:spPr>
           <a:xfrm>
-            <a:off x="5717209" y="4151588"/>
-            <a:ext cx="5334000" cy="2124075"/>
+            <a:off x="5555580" y="4378938"/>
+            <a:ext cx="5867920" cy="1932962"/>
           </a:xfrm>
           <a:prstGeom prst="rect">
             <a:avLst/>
@@ -7744,7 +7795,7 @@
                                           </p:stCondLst>
                                         </p:cTn>
                                         <p:tgtEl>
-                                          <p:spTgt spid="6"/>
+                                          <p:spTgt spid="4"/>
                                         </p:tgtEl>
                                         <p:attrNameLst>
                                           <p:attrName>style.visibility</p:attrName>
@@ -7771,7 +7822,7 @@
                                           </p:stCondLst>
                                         </p:cTn>
                                         <p:tgtEl>
-                                          <p:spTgt spid="4"/>
+                                          <p:spTgt spid="5"/>
                                         </p:tgtEl>
                                         <p:attrNameLst>
                                           <p:attrName>style.visibility</p:attrName>
@@ -7855,8 +7906,20 @@
               <a:t>Using </a:t>
             </a:r>
             <a:r>
-              <a:rPr lang="en-GB" b="1" dirty="0" err="1" smtClean="0"/>
-              <a:t>qtpy</a:t>
+              <a:rPr lang="en-GB" dirty="0" err="1" smtClean="0"/>
+              <a:t>Qt</a:t>
+            </a:r>
+            <a:r>
+              <a:rPr lang="en-GB" dirty="0" smtClean="0"/>
+              <a:t> </a:t>
+            </a:r>
+            <a:r>
+              <a:rPr lang="en-GB" b="1" dirty="0" smtClean="0"/>
+              <a:t>connections </a:t>
+            </a:r>
+            <a:r>
+              <a:rPr lang="en-GB" dirty="0" smtClean="0"/>
+              <a:t>in Python</a:t>
             </a:r>
             <a:endParaRPr lang="en-GB" b="1" dirty="0"/>
           </a:p>
@@ -8293,8 +8356,17 @@
             <a:pPr lvl="1"/>
             <a:r>
               <a:rPr lang="en-GB" dirty="0" smtClean="0"/>
-              <a:t>Go to a build </a:t>
-            </a:r>
+              <a:t>Go to a </a:t>
+            </a:r>
+            <a:r>
+              <a:rPr lang="en-GB" dirty="0" err="1" smtClean="0"/>
+              <a:t>Mantid</a:t>
+            </a:r>
+            <a:r>
+              <a:rPr lang="en-GB" dirty="0" smtClean="0"/>
+              <a:t> build </a:t>
+            </a:r>
+            <a:endParaRPr lang="en-GB" dirty="0" smtClean="0"/>
           </a:p>
           <a:p>
             <a:pPr lvl="1"/>
@@ -8343,11 +8415,8 @@
             <a:pPr lvl="1"/>
             <a:r>
               <a:rPr lang="en-GB" dirty="0" smtClean="0"/>
-              <a:t>Go</a:t>
-            </a:r>
-          </a:p>
-          <a:p>
-            <a:pPr lvl="1"/>
+              <a:t>Just go</a:t>
+            </a:r>
             <a:endParaRPr lang="en-GB" dirty="0"/>
           </a:p>
         </p:txBody>
@@ -8455,11 +8524,7 @@
             </a:pPr>
             <a:r>
               <a:rPr lang="en-GB" dirty="0" smtClean="0"/>
-              <a:t>Entry point is `__main__.py</a:t>
-            </a:r>
-            <a:r>
-              <a:rPr lang="en-GB" dirty="0" smtClean="0"/>
-              <a:t>`</a:t>
+              <a:t>Entry point is `__main__.py`</a:t>
             </a:r>
           </a:p>
           <a:p>
@@ -8488,7 +8553,6 @@
               <a:rPr lang="en-GB" dirty="0" smtClean="0"/>
               <a:t>`</a:t>
             </a:r>
-            <a:endParaRPr lang="en-GB" dirty="0" smtClean="0"/>
           </a:p>
           <a:p>
             <a:pPr>
@@ -8619,15 +8683,7 @@
             </a:pPr>
             <a:r>
               <a:rPr lang="en-GB" dirty="0" smtClean="0"/>
-              <a:t>Use </a:t>
-            </a:r>
-            <a:r>
-              <a:rPr lang="en-GB" dirty="0" smtClean="0"/>
-              <a:t>the provided </a:t>
-            </a:r>
-            <a:r>
-              <a:rPr lang="en-GB" dirty="0" smtClean="0"/>
-              <a:t>functions from the ‘model.py’ file</a:t>
+              <a:t>Use the provided functions from the ‘model.py’ file</a:t>
             </a:r>
           </a:p>
           <a:p>
@@ -8671,7 +8727,19 @@
             </a:pPr>
             <a:r>
               <a:rPr lang="en-GB" dirty="0" smtClean="0"/>
-              <a:t>Import the function from the model</a:t>
+              <a:t>Import </a:t>
+            </a:r>
+            <a:r>
+              <a:rPr lang="en-GB" smtClean="0"/>
+              <a:t>the </a:t>
+            </a:r>
+            <a:r>
+              <a:rPr lang="en-GB" smtClean="0"/>
+              <a:t>calculation function </a:t>
+            </a:r>
+            <a:r>
+              <a:rPr lang="en-GB" dirty="0" smtClean="0"/>
+              <a:t>from the model</a:t>
             </a:r>
             <a:endParaRPr lang="en-GB" dirty="0"/>
           </a:p>
@@ -9038,11 +9106,7 @@
             </a:pPr>
             <a:r>
               <a:rPr lang="en-GB" dirty="0" smtClean="0"/>
-              <a:t>Make `Convert` work for all input/output </a:t>
-            </a:r>
-            <a:r>
-              <a:rPr lang="en-GB" dirty="0" smtClean="0"/>
-              <a:t>units</a:t>
+              <a:t>Make `Convert` work for all input/output units</a:t>
             </a:r>
           </a:p>
           <a:p>
@@ -9420,11 +9484,7 @@
             </a:pPr>
             <a:r>
               <a:rPr lang="en-GB" dirty="0" smtClean="0"/>
-              <a:t>File is `test/test_tof_convert_presenter.py</a:t>
-            </a:r>
-            <a:r>
-              <a:rPr lang="en-GB" dirty="0" smtClean="0"/>
-              <a:t>`</a:t>
+              <a:t>File is `test/test_tof_convert_presenter.py`</a:t>
             </a:r>
           </a:p>
           <a:p>
@@ -9812,7 +9872,6 @@
               <a:rPr lang="en-GB" dirty="0" smtClean="0"/>
               <a:t>`</a:t>
             </a:r>
-            <a:endParaRPr lang="en-GB" dirty="0" smtClean="0"/>
           </a:p>
           <a:p>
             <a:pPr lvl="1">
@@ -9832,7 +9891,6 @@
               <a:rPr lang="en-GB" dirty="0" smtClean="0"/>
               <a:t>`</a:t>
             </a:r>
-            <a:endParaRPr lang="en-GB" dirty="0" smtClean="0"/>
           </a:p>
           <a:p>
             <a:pPr>
@@ -9872,11 +9930,7 @@
             </a:pPr>
             <a:r>
               <a:rPr lang="en-GB" dirty="0" smtClean="0"/>
-              <a:t>How will you implement the widget</a:t>
-            </a:r>
-            <a:r>
-              <a:rPr lang="en-GB" dirty="0" smtClean="0"/>
-              <a:t>?</a:t>
+              <a:t>How will you implement the widget?</a:t>
             </a:r>
           </a:p>
           <a:p>
@@ -9919,7 +9973,6 @@
               <a:rPr lang="en-GB" dirty="0" smtClean="0"/>
               <a:t>P (no view for it)?</a:t>
             </a:r>
-            <a:endParaRPr lang="en-GB" dirty="0" smtClean="0"/>
           </a:p>
         </p:txBody>
       </p:sp>
@@ -10384,11 +10437,7 @@
             </a:pPr>
             <a:r>
               <a:rPr lang="en-GB" dirty="0" smtClean="0"/>
-              <a:t>Allow </a:t>
-            </a:r>
-            <a:r>
-              <a:rPr lang="en-GB" dirty="0" smtClean="0"/>
-              <a:t>the user to double click an entry in the history to load that value back into the view.</a:t>
+              <a:t>Allow the user to double click an entry in the history to load that value back into the view.</a:t>
             </a:r>
           </a:p>
           <a:p>
@@ -10592,11 +10641,7 @@
             </a:pPr>
             <a:r>
               <a:rPr lang="en-GB" dirty="0" smtClean="0"/>
-              <a:t>Unit test / mock the History </a:t>
-            </a:r>
-            <a:r>
-              <a:rPr lang="en-GB" dirty="0" smtClean="0"/>
-              <a:t>widget</a:t>
+              <a:t>Unit test / mock the History widget</a:t>
             </a:r>
           </a:p>
           <a:p>
@@ -12977,15 +13022,7 @@
             </a:pPr>
             <a:r>
               <a:rPr lang="en-GB" dirty="0" smtClean="0"/>
-              <a:t>Usually a problem in C</a:t>
-            </a:r>
-            <a:r>
-              <a:rPr lang="en-GB" dirty="0" smtClean="0"/>
-              <a:t>++ (Qt4 only?). </a:t>
-            </a:r>
-            <a:r>
-              <a:rPr lang="en-GB" dirty="0" smtClean="0"/>
-              <a:t>You DON’T NEED to do it in Python!</a:t>
+              <a:t>Usually a problem in C++ (Qt4 only?). You DON’T NEED to do it in Python!</a:t>
             </a:r>
           </a:p>
           <a:p>
